--- a/course/spring_lecture5.pptx
+++ b/course/spring_lecture5.pptx
@@ -7,60 +7,58 @@
   <p:sldIdLst>
     <p:sldId id="256" r:id="rId2"/>
     <p:sldId id="257" r:id="rId3"/>
-    <p:sldId id="258" r:id="rId4"/>
-    <p:sldId id="260" r:id="rId5"/>
-    <p:sldId id="261" r:id="rId6"/>
-    <p:sldId id="262" r:id="rId7"/>
-    <p:sldId id="263" r:id="rId8"/>
-    <p:sldId id="264" r:id="rId9"/>
-    <p:sldId id="265" r:id="rId10"/>
-    <p:sldId id="266" r:id="rId11"/>
-    <p:sldId id="267" r:id="rId12"/>
-    <p:sldId id="268" r:id="rId13"/>
-    <p:sldId id="269" r:id="rId14"/>
-    <p:sldId id="270" r:id="rId15"/>
-    <p:sldId id="271" r:id="rId16"/>
-    <p:sldId id="272" r:id="rId17"/>
-    <p:sldId id="274" r:id="rId18"/>
-    <p:sldId id="275" r:id="rId19"/>
-    <p:sldId id="276" r:id="rId20"/>
-    <p:sldId id="277" r:id="rId21"/>
-    <p:sldId id="278" r:id="rId22"/>
-    <p:sldId id="279" r:id="rId23"/>
-    <p:sldId id="280" r:id="rId24"/>
-    <p:sldId id="281" r:id="rId25"/>
-    <p:sldId id="282" r:id="rId26"/>
-    <p:sldId id="283" r:id="rId27"/>
-    <p:sldId id="284" r:id="rId28"/>
-    <p:sldId id="285" r:id="rId29"/>
-    <p:sldId id="286" r:id="rId30"/>
-    <p:sldId id="287" r:id="rId31"/>
-    <p:sldId id="288" r:id="rId32"/>
-    <p:sldId id="289" r:id="rId33"/>
-    <p:sldId id="290" r:id="rId34"/>
-    <p:sldId id="273" r:id="rId35"/>
-    <p:sldId id="291" r:id="rId36"/>
-    <p:sldId id="292" r:id="rId37"/>
-    <p:sldId id="293" r:id="rId38"/>
-    <p:sldId id="294" r:id="rId39"/>
-    <p:sldId id="295" r:id="rId40"/>
-    <p:sldId id="297" r:id="rId41"/>
-    <p:sldId id="298" r:id="rId42"/>
-    <p:sldId id="299" r:id="rId43"/>
-    <p:sldId id="300" r:id="rId44"/>
-    <p:sldId id="301" r:id="rId45"/>
-    <p:sldId id="302" r:id="rId46"/>
-    <p:sldId id="296" r:id="rId47"/>
-    <p:sldId id="303" r:id="rId48"/>
-    <p:sldId id="304" r:id="rId49"/>
-    <p:sldId id="305" r:id="rId50"/>
-    <p:sldId id="306" r:id="rId51"/>
-    <p:sldId id="307" r:id="rId52"/>
-    <p:sldId id="308" r:id="rId53"/>
-    <p:sldId id="309" r:id="rId54"/>
-    <p:sldId id="310" r:id="rId55"/>
-    <p:sldId id="311" r:id="rId56"/>
-    <p:sldId id="312" r:id="rId57"/>
+    <p:sldId id="260" r:id="rId4"/>
+    <p:sldId id="261" r:id="rId5"/>
+    <p:sldId id="262" r:id="rId6"/>
+    <p:sldId id="263" r:id="rId7"/>
+    <p:sldId id="264" r:id="rId8"/>
+    <p:sldId id="265" r:id="rId9"/>
+    <p:sldId id="266" r:id="rId10"/>
+    <p:sldId id="267" r:id="rId11"/>
+    <p:sldId id="268" r:id="rId12"/>
+    <p:sldId id="269" r:id="rId13"/>
+    <p:sldId id="270" r:id="rId14"/>
+    <p:sldId id="271" r:id="rId15"/>
+    <p:sldId id="272" r:id="rId16"/>
+    <p:sldId id="274" r:id="rId17"/>
+    <p:sldId id="275" r:id="rId18"/>
+    <p:sldId id="276" r:id="rId19"/>
+    <p:sldId id="277" r:id="rId20"/>
+    <p:sldId id="278" r:id="rId21"/>
+    <p:sldId id="279" r:id="rId22"/>
+    <p:sldId id="280" r:id="rId23"/>
+    <p:sldId id="281" r:id="rId24"/>
+    <p:sldId id="282" r:id="rId25"/>
+    <p:sldId id="283" r:id="rId26"/>
+    <p:sldId id="284" r:id="rId27"/>
+    <p:sldId id="285" r:id="rId28"/>
+    <p:sldId id="286" r:id="rId29"/>
+    <p:sldId id="287" r:id="rId30"/>
+    <p:sldId id="288" r:id="rId31"/>
+    <p:sldId id="289" r:id="rId32"/>
+    <p:sldId id="290" r:id="rId33"/>
+    <p:sldId id="273" r:id="rId34"/>
+    <p:sldId id="291" r:id="rId35"/>
+    <p:sldId id="292" r:id="rId36"/>
+    <p:sldId id="293" r:id="rId37"/>
+    <p:sldId id="294" r:id="rId38"/>
+    <p:sldId id="295" r:id="rId39"/>
+    <p:sldId id="297" r:id="rId40"/>
+    <p:sldId id="298" r:id="rId41"/>
+    <p:sldId id="299" r:id="rId42"/>
+    <p:sldId id="300" r:id="rId43"/>
+    <p:sldId id="301" r:id="rId44"/>
+    <p:sldId id="302" r:id="rId45"/>
+    <p:sldId id="296" r:id="rId46"/>
+    <p:sldId id="303" r:id="rId47"/>
+    <p:sldId id="304" r:id="rId48"/>
+    <p:sldId id="305" r:id="rId49"/>
+    <p:sldId id="306" r:id="rId50"/>
+    <p:sldId id="307" r:id="rId51"/>
+    <p:sldId id="308" r:id="rId52"/>
+    <p:sldId id="309" r:id="rId53"/>
+    <p:sldId id="310" r:id="rId54"/>
+    <p:sldId id="311" r:id="rId55"/>
   </p:sldIdLst>
   <p:sldSz cx="12192000" cy="6858000"/>
   <p:notesSz cx="6858000" cy="9144000"/>
@@ -3985,15 +3983,15 @@
           <a:p>
             <a:r>
               <a:rPr lang="en-US" dirty="0" smtClean="0"/>
-              <a:t>Spring </a:t>
+              <a:t>Develop </a:t>
             </a:r>
             <a:r>
               <a:rPr lang="en-US" dirty="0" err="1" smtClean="0"/>
-              <a:t>IoC</a:t>
-            </a:r>
-            <a:r>
-              <a:rPr lang="en-US" dirty="0" smtClean="0"/>
-              <a:t> process</a:t>
+              <a:t>pojo</a:t>
+            </a:r>
+            <a:r>
+              <a:rPr lang="en-US" dirty="0" smtClean="0"/>
+              <a:t> library</a:t>
             </a:r>
             <a:endParaRPr lang="en-GB" dirty="0"/>
           </a:p>
@@ -4015,8 +4013,8 @@
         </p:blipFill>
         <p:spPr>
           <a:xfrm>
-            <a:off x="2570338" y="1886656"/>
-            <a:ext cx="6833305" cy="4295220"/>
+            <a:off x="1225938" y="1833915"/>
+            <a:ext cx="5940284" cy="4279018"/>
           </a:xfrm>
           <a:prstGeom prst="rect">
             <a:avLst/>
@@ -4026,7 +4024,7 @@
     </p:spTree>
     <p:extLst>
       <p:ext uri="{BB962C8B-B14F-4D97-AF65-F5344CB8AC3E}">
-        <p14:creationId xmlns:p14="http://schemas.microsoft.com/office/powerpoint/2010/main" val="4047155940"/>
+        <p14:creationId xmlns:p14="http://schemas.microsoft.com/office/powerpoint/2010/main" val="2317184838"/>
       </p:ext>
     </p:extLst>
   </p:cSld>
@@ -4100,8 +4098,8 @@
         </p:blipFill>
         <p:spPr>
           <a:xfrm>
-            <a:off x="3156338" y="1822626"/>
-            <a:ext cx="5940284" cy="4279018"/>
+            <a:off x="1210169" y="2186341"/>
+            <a:ext cx="6648450" cy="1514475"/>
           </a:xfrm>
           <a:prstGeom prst="rect">
             <a:avLst/>
@@ -4111,7 +4109,7 @@
     </p:spTree>
     <p:extLst>
       <p:ext uri="{BB962C8B-B14F-4D97-AF65-F5344CB8AC3E}">
-        <p14:creationId xmlns:p14="http://schemas.microsoft.com/office/powerpoint/2010/main" val="2317184838"/>
+        <p14:creationId xmlns:p14="http://schemas.microsoft.com/office/powerpoint/2010/main" val="2634356569"/>
       </p:ext>
     </p:extLst>
   </p:cSld>
@@ -4185,8 +4183,8 @@
         </p:blipFill>
         <p:spPr>
           <a:xfrm>
-            <a:off x="2771775" y="2671762"/>
-            <a:ext cx="6648450" cy="1514475"/>
+            <a:off x="1260474" y="1911349"/>
+            <a:ext cx="6901391" cy="4136739"/>
           </a:xfrm>
           <a:prstGeom prst="rect">
             <a:avLst/>
@@ -4196,7 +4194,7 @@
     </p:spTree>
     <p:extLst>
       <p:ext uri="{BB962C8B-B14F-4D97-AF65-F5344CB8AC3E}">
-        <p14:creationId xmlns:p14="http://schemas.microsoft.com/office/powerpoint/2010/main" val="2634356569"/>
+        <p14:creationId xmlns:p14="http://schemas.microsoft.com/office/powerpoint/2010/main" val="1722300693"/>
       </p:ext>
     </p:extLst>
   </p:cSld>
@@ -4240,15 +4238,7 @@
           <a:p>
             <a:r>
               <a:rPr lang="en-US" dirty="0" smtClean="0"/>
-              <a:t>Develop </a:t>
-            </a:r>
-            <a:r>
-              <a:rPr lang="en-US" dirty="0" err="1" smtClean="0"/>
-              <a:t>pojo</a:t>
-            </a:r>
-            <a:r>
-              <a:rPr lang="en-US" dirty="0" smtClean="0"/>
-              <a:t> library</a:t>
+              <a:t>Register spring jars</a:t>
             </a:r>
             <a:endParaRPr lang="en-GB" dirty="0"/>
           </a:p>
@@ -4270,8 +4260,8 @@
         </p:blipFill>
         <p:spPr>
           <a:xfrm>
-            <a:off x="2818341" y="1979083"/>
-            <a:ext cx="6901391" cy="4136739"/>
+            <a:off x="1195212" y="1870780"/>
+            <a:ext cx="6752166" cy="4291286"/>
           </a:xfrm>
           <a:prstGeom prst="rect">
             <a:avLst/>
@@ -4281,7 +4271,7 @@
     </p:spTree>
     <p:extLst>
       <p:ext uri="{BB962C8B-B14F-4D97-AF65-F5344CB8AC3E}">
-        <p14:creationId xmlns:p14="http://schemas.microsoft.com/office/powerpoint/2010/main" val="1722300693"/>
+        <p14:creationId xmlns:p14="http://schemas.microsoft.com/office/powerpoint/2010/main" val="2556999445"/>
       </p:ext>
     </p:extLst>
   </p:cSld>
@@ -4325,7 +4315,11 @@
           <a:p>
             <a:r>
               <a:rPr lang="en-US" dirty="0" smtClean="0"/>
-              <a:t>Register spring jars</a:t>
+              <a:t>Register spring jars eclipse .</a:t>
+            </a:r>
+            <a:r>
+              <a:rPr lang="en-US" dirty="0" err="1" smtClean="0"/>
+              <a:t>classpath</a:t>
             </a:r>
             <a:endParaRPr lang="en-GB" dirty="0"/>
           </a:p>
@@ -4347,8 +4341,8 @@
         </p:blipFill>
         <p:spPr>
           <a:xfrm>
-            <a:off x="2493434" y="1825625"/>
-            <a:ext cx="6752166" cy="4291286"/>
+            <a:off x="1176302" y="2119313"/>
+            <a:ext cx="6705600" cy="2619375"/>
           </a:xfrm>
           <a:prstGeom prst="rect">
             <a:avLst/>
@@ -4358,7 +4352,7 @@
     </p:spTree>
     <p:extLst>
       <p:ext uri="{BB962C8B-B14F-4D97-AF65-F5344CB8AC3E}">
-        <p14:creationId xmlns:p14="http://schemas.microsoft.com/office/powerpoint/2010/main" val="2556999445"/>
+        <p14:creationId xmlns:p14="http://schemas.microsoft.com/office/powerpoint/2010/main" val="3945719092"/>
       </p:ext>
     </p:extLst>
   </p:cSld>
@@ -4402,11 +4396,7 @@
           <a:p>
             <a:r>
               <a:rPr lang="en-US" dirty="0" smtClean="0"/>
-              <a:t>Register spring jars eclipse .</a:t>
-            </a:r>
-            <a:r>
-              <a:rPr lang="en-US" dirty="0" err="1" smtClean="0"/>
-              <a:t>classpath</a:t>
+              <a:t>Create the bean definition file</a:t>
             </a:r>
             <a:endParaRPr lang="en-GB" dirty="0"/>
           </a:p>
@@ -4428,8 +4418,8 @@
         </p:blipFill>
         <p:spPr>
           <a:xfrm>
-            <a:off x="2664178" y="2108024"/>
-            <a:ext cx="6705600" cy="2619375"/>
+            <a:off x="1097280" y="2075039"/>
+            <a:ext cx="6572250" cy="1714500"/>
           </a:xfrm>
           <a:prstGeom prst="rect">
             <a:avLst/>
@@ -4439,7 +4429,7 @@
     </p:spTree>
     <p:extLst>
       <p:ext uri="{BB962C8B-B14F-4D97-AF65-F5344CB8AC3E}">
-        <p14:creationId xmlns:p14="http://schemas.microsoft.com/office/powerpoint/2010/main" val="3945719092"/>
+        <p14:creationId xmlns:p14="http://schemas.microsoft.com/office/powerpoint/2010/main" val="3238032910"/>
       </p:ext>
     </p:extLst>
   </p:cSld>
@@ -4483,7 +4473,7 @@
           <a:p>
             <a:r>
               <a:rPr lang="en-US" dirty="0" smtClean="0"/>
-              <a:t>Create the bean definition file</a:t>
+              <a:t>Register beans</a:t>
             </a:r>
             <a:endParaRPr lang="en-GB" dirty="0"/>
           </a:p>
@@ -4505,8 +4495,8 @@
         </p:blipFill>
         <p:spPr>
           <a:xfrm>
-            <a:off x="2324453" y="2154061"/>
-            <a:ext cx="6572250" cy="1714500"/>
+            <a:off x="1197504" y="2167820"/>
+            <a:ext cx="7629525" cy="2228850"/>
           </a:xfrm>
           <a:prstGeom prst="rect">
             <a:avLst/>
@@ -4516,7 +4506,7 @@
     </p:spTree>
     <p:extLst>
       <p:ext uri="{BB962C8B-B14F-4D97-AF65-F5344CB8AC3E}">
-        <p14:creationId xmlns:p14="http://schemas.microsoft.com/office/powerpoint/2010/main" val="3238032910"/>
+        <p14:creationId xmlns:p14="http://schemas.microsoft.com/office/powerpoint/2010/main" val="4287455471"/>
       </p:ext>
     </p:extLst>
   </p:cSld>
@@ -4582,8 +4572,8 @@
         </p:blipFill>
         <p:spPr>
           <a:xfrm>
-            <a:off x="2281237" y="2314575"/>
-            <a:ext cx="7629525" cy="2228850"/>
+            <a:off x="1222375" y="2053873"/>
+            <a:ext cx="7715250" cy="2705100"/>
           </a:xfrm>
           <a:prstGeom prst="rect">
             <a:avLst/>
@@ -4593,7 +4583,7 @@
     </p:spTree>
     <p:extLst>
       <p:ext uri="{BB962C8B-B14F-4D97-AF65-F5344CB8AC3E}">
-        <p14:creationId xmlns:p14="http://schemas.microsoft.com/office/powerpoint/2010/main" val="4287455471"/>
+        <p14:creationId xmlns:p14="http://schemas.microsoft.com/office/powerpoint/2010/main" val="3422286124"/>
       </p:ext>
     </p:extLst>
   </p:cSld>
@@ -4637,7 +4627,7 @@
           <a:p>
             <a:r>
               <a:rPr lang="en-US" dirty="0" smtClean="0"/>
-              <a:t>Register beans</a:t>
+              <a:t>Define bean interdependencies</a:t>
             </a:r>
             <a:endParaRPr lang="en-GB" dirty="0"/>
           </a:p>
@@ -4659,8 +4649,8 @@
         </p:blipFill>
         <p:spPr>
           <a:xfrm>
-            <a:off x="2238375" y="2076450"/>
-            <a:ext cx="7715250" cy="2705100"/>
+            <a:off x="1234069" y="1850250"/>
+            <a:ext cx="6985177" cy="4387726"/>
           </a:xfrm>
           <a:prstGeom prst="rect">
             <a:avLst/>
@@ -4670,7 +4660,7 @@
     </p:spTree>
     <p:extLst>
       <p:ext uri="{BB962C8B-B14F-4D97-AF65-F5344CB8AC3E}">
-        <p14:creationId xmlns:p14="http://schemas.microsoft.com/office/powerpoint/2010/main" val="3422286124"/>
+        <p14:creationId xmlns:p14="http://schemas.microsoft.com/office/powerpoint/2010/main" val="2002620182"/>
       </p:ext>
     </p:extLst>
   </p:cSld>
@@ -4714,7 +4704,7 @@
           <a:p>
             <a:r>
               <a:rPr lang="en-US" dirty="0" smtClean="0"/>
-              <a:t>Define bean interdependencies</a:t>
+              <a:t>Initialize container</a:t>
             </a:r>
             <a:endParaRPr lang="en-GB" dirty="0"/>
           </a:p>
@@ -4722,7 +4712,7 @@
       </p:sp>
       <p:pic>
         <p:nvPicPr>
-          <p:cNvPr id="4" name="Picture 3"/>
+          <p:cNvPr id="5" name="Picture 4"/>
           <p:cNvPicPr>
             <a:picLocks noChangeAspect="1"/>
           </p:cNvPicPr>
@@ -4736,8 +4726,8 @@
         </p:blipFill>
         <p:spPr>
           <a:xfrm>
-            <a:off x="2633891" y="1850250"/>
-            <a:ext cx="6985177" cy="4387726"/>
+            <a:off x="1206322" y="2046464"/>
+            <a:ext cx="6505575" cy="2990850"/>
           </a:xfrm>
           <a:prstGeom prst="rect">
             <a:avLst/>
@@ -4747,7 +4737,7 @@
     </p:spTree>
     <p:extLst>
       <p:ext uri="{BB962C8B-B14F-4D97-AF65-F5344CB8AC3E}">
-        <p14:creationId xmlns:p14="http://schemas.microsoft.com/office/powerpoint/2010/main" val="2002620182"/>
+        <p14:creationId xmlns:p14="http://schemas.microsoft.com/office/powerpoint/2010/main" val="1176321619"/>
       </p:ext>
     </p:extLst>
   </p:cSld>
@@ -4914,7 +4904,7 @@
           <a:p>
             <a:r>
               <a:rPr lang="en-US" dirty="0" smtClean="0"/>
-              <a:t>Initialize container</a:t>
+              <a:t>Access and use beans</a:t>
             </a:r>
             <a:endParaRPr lang="en-GB" dirty="0"/>
           </a:p>
@@ -4922,7 +4912,7 @@
       </p:sp>
       <p:pic>
         <p:nvPicPr>
-          <p:cNvPr id="5" name="Picture 4"/>
+          <p:cNvPr id="4" name="Picture 3"/>
           <p:cNvPicPr>
             <a:picLocks noChangeAspect="1"/>
           </p:cNvPicPr>
@@ -4936,8 +4926,8 @@
         </p:blipFill>
         <p:spPr>
           <a:xfrm>
-            <a:off x="3181878" y="2204509"/>
-            <a:ext cx="6505575" cy="2990850"/>
+            <a:off x="1191471" y="1872827"/>
+            <a:ext cx="7250994" cy="4423106"/>
           </a:xfrm>
           <a:prstGeom prst="rect">
             <a:avLst/>
@@ -4947,7 +4937,7 @@
     </p:spTree>
     <p:extLst>
       <p:ext uri="{BB962C8B-B14F-4D97-AF65-F5344CB8AC3E}">
-        <p14:creationId xmlns:p14="http://schemas.microsoft.com/office/powerpoint/2010/main" val="1176321619"/>
+        <p14:creationId xmlns:p14="http://schemas.microsoft.com/office/powerpoint/2010/main" val="3721495402"/>
       </p:ext>
     </p:extLst>
   </p:cSld>
@@ -4984,47 +4974,37 @@
             <p:ph type="title"/>
           </p:nvPr>
         </p:nvSpPr>
-        <p:spPr/>
-        <p:txBody>
-          <a:bodyPr/>
-          <a:lstStyle/>
-          <a:p>
-            <a:r>
-              <a:rPr lang="en-US" dirty="0" smtClean="0"/>
-              <a:t>Access and use beans</a:t>
+        <p:spPr>
+          <a:xfrm>
+            <a:off x="1006968" y="2228292"/>
+            <a:ext cx="10058400" cy="1450757"/>
+          </a:xfrm>
+        </p:spPr>
+        <p:txBody>
+          <a:bodyPr/>
+          <a:lstStyle/>
+          <a:p>
+            <a:pPr algn="ctr"/>
+            <a:r>
+              <a:rPr lang="en-US" dirty="0" smtClean="0"/>
+              <a:t>Spring </a:t>
+            </a:r>
+            <a:r>
+              <a:rPr lang="en-US" dirty="0" err="1" smtClean="0"/>
+              <a:t>jdbc</a:t>
+            </a:r>
+            <a:r>
+              <a:rPr lang="en-US" dirty="0" smtClean="0"/>
+              <a:t> process</a:t>
             </a:r>
             <a:endParaRPr lang="en-GB" dirty="0"/>
           </a:p>
         </p:txBody>
       </p:sp>
-      <p:pic>
-        <p:nvPicPr>
-          <p:cNvPr id="4" name="Picture 3"/>
-          <p:cNvPicPr>
-            <a:picLocks noChangeAspect="1"/>
-          </p:cNvPicPr>
-          <p:nvPr/>
-        </p:nvPicPr>
-        <p:blipFill>
-          <a:blip r:embed="rId2"/>
-          <a:stretch>
-            <a:fillRect/>
-          </a:stretch>
-        </p:blipFill>
-        <p:spPr>
-          <a:xfrm>
-            <a:off x="2625160" y="1838961"/>
-            <a:ext cx="7250994" cy="4423106"/>
-          </a:xfrm>
-          <a:prstGeom prst="rect">
-            <a:avLst/>
-          </a:prstGeom>
-        </p:spPr>
-      </p:pic>
     </p:spTree>
     <p:extLst>
       <p:ext uri="{BB962C8B-B14F-4D97-AF65-F5344CB8AC3E}">
-        <p14:creationId xmlns:p14="http://schemas.microsoft.com/office/powerpoint/2010/main" val="3721495402"/>
+        <p14:creationId xmlns:p14="http://schemas.microsoft.com/office/powerpoint/2010/main" val="198765025"/>
       </p:ext>
     </p:extLst>
   </p:cSld>
@@ -5061,17 +5041,11 @@
             <p:ph type="title"/>
           </p:nvPr>
         </p:nvSpPr>
-        <p:spPr>
-          <a:xfrm>
-            <a:off x="1006968" y="2228292"/>
-            <a:ext cx="10058400" cy="1450757"/>
-          </a:xfrm>
-        </p:spPr>
-        <p:txBody>
-          <a:bodyPr/>
-          <a:lstStyle/>
-          <a:p>
-            <a:pPr algn="ctr"/>
+        <p:spPr/>
+        <p:txBody>
+          <a:bodyPr/>
+          <a:lstStyle/>
+          <a:p>
             <a:r>
               <a:rPr lang="en-US" dirty="0" smtClean="0"/>
               <a:t>Spring </a:t>
@@ -5088,10 +5062,87 @@
           </a:p>
         </p:txBody>
       </p:sp>
+      <p:sp>
+        <p:nvSpPr>
+          <p:cNvPr id="3" name="Content Placeholder 2"/>
+          <p:cNvSpPr>
+            <a:spLocks noGrp="1"/>
+          </p:cNvSpPr>
+          <p:nvPr>
+            <p:ph idx="1"/>
+          </p:nvPr>
+        </p:nvSpPr>
+        <p:spPr>
+          <a:xfrm>
+            <a:off x="1097280" y="1845734"/>
+            <a:ext cx="10058400" cy="999066"/>
+          </a:xfrm>
+        </p:spPr>
+        <p:txBody>
+          <a:bodyPr/>
+          <a:lstStyle/>
+          <a:p>
+            <a:pPr marL="0" indent="0">
+              <a:buNone/>
+            </a:pPr>
+            <a:r>
+              <a:rPr lang="en-US" dirty="0" smtClean="0"/>
+              <a:t>Define persistence interfaces</a:t>
+            </a:r>
+          </a:p>
+          <a:p>
+            <a:pPr marL="0" indent="0">
+              <a:buNone/>
+            </a:pPr>
+            <a:r>
+              <a:rPr lang="en-US" dirty="0" smtClean="0"/>
+              <a:t>Register spring </a:t>
+            </a:r>
+            <a:r>
+              <a:rPr lang="en-US" dirty="0" err="1" smtClean="0"/>
+              <a:t>jdbc</a:t>
+            </a:r>
+            <a:r>
+              <a:rPr lang="en-US" dirty="0" smtClean="0"/>
+              <a:t> jars</a:t>
+            </a:r>
+          </a:p>
+          <a:p>
+            <a:pPr marL="0" indent="0">
+              <a:buNone/>
+            </a:pPr>
+            <a:endParaRPr lang="en-GB" dirty="0"/>
+          </a:p>
+        </p:txBody>
+      </p:sp>
+      <p:pic>
+        <p:nvPicPr>
+          <p:cNvPr id="4" name="Picture 3"/>
+          <p:cNvPicPr>
+            <a:picLocks noChangeAspect="1"/>
+          </p:cNvPicPr>
+          <p:nvPr/>
+        </p:nvPicPr>
+        <p:blipFill>
+          <a:blip r:embed="rId2"/>
+          <a:stretch>
+            <a:fillRect/>
+          </a:stretch>
+        </p:blipFill>
+        <p:spPr>
+          <a:xfrm>
+            <a:off x="1097280" y="2844800"/>
+            <a:ext cx="5495925" cy="2286000"/>
+          </a:xfrm>
+          <a:prstGeom prst="rect">
+            <a:avLst/>
+          </a:prstGeom>
+        </p:spPr>
+      </p:pic>
     </p:spTree>
     <p:extLst>
       <p:ext uri="{BB962C8B-B14F-4D97-AF65-F5344CB8AC3E}">
-        <p14:creationId xmlns:p14="http://schemas.microsoft.com/office/powerpoint/2010/main" val="198765025"/>
+        <p14:creationId xmlns:p14="http://schemas.microsoft.com/office/powerpoint/2010/main" val="297319610"/>
       </p:ext>
     </p:extLst>
   </p:cSld>
@@ -5149,59 +5200,6 @@
           </a:p>
         </p:txBody>
       </p:sp>
-      <p:sp>
-        <p:nvSpPr>
-          <p:cNvPr id="3" name="Content Placeholder 2"/>
-          <p:cNvSpPr>
-            <a:spLocks noGrp="1"/>
-          </p:cNvSpPr>
-          <p:nvPr>
-            <p:ph idx="1"/>
-          </p:nvPr>
-        </p:nvSpPr>
-        <p:spPr>
-          <a:xfrm>
-            <a:off x="1097280" y="1845734"/>
-            <a:ext cx="10058400" cy="999066"/>
-          </a:xfrm>
-        </p:spPr>
-        <p:txBody>
-          <a:bodyPr/>
-          <a:lstStyle/>
-          <a:p>
-            <a:pPr marL="0" indent="0">
-              <a:buNone/>
-            </a:pPr>
-            <a:r>
-              <a:rPr lang="en-US" dirty="0" smtClean="0"/>
-              <a:t>Define persistence interfaces</a:t>
-            </a:r>
-          </a:p>
-          <a:p>
-            <a:pPr marL="0" indent="0">
-              <a:buNone/>
-            </a:pPr>
-            <a:r>
-              <a:rPr lang="en-US" dirty="0" smtClean="0"/>
-              <a:t>Register spring </a:t>
-            </a:r>
-            <a:r>
-              <a:rPr lang="en-US" dirty="0" err="1" smtClean="0"/>
-              <a:t>jdbc</a:t>
-            </a:r>
-            <a:r>
-              <a:rPr lang="en-US" dirty="0" smtClean="0"/>
-              <a:t> jars</a:t>
-            </a:r>
-          </a:p>
-          <a:p>
-            <a:pPr marL="0" indent="0">
-              <a:buNone/>
-            </a:pPr>
-            <a:endParaRPr lang="en-GB" dirty="0"/>
-          </a:p>
-        </p:txBody>
-      </p:sp>
       <p:pic>
         <p:nvPicPr>
           <p:cNvPr id="4" name="Picture 3"/>
@@ -5218,8 +5216,8 @@
         </p:blipFill>
         <p:spPr>
           <a:xfrm>
-            <a:off x="1097280" y="2844800"/>
-            <a:ext cx="5495925" cy="2286000"/>
+            <a:off x="1097280" y="1883832"/>
+            <a:ext cx="6534150" cy="2819400"/>
           </a:xfrm>
           <a:prstGeom prst="rect">
             <a:avLst/>
@@ -5229,7 +5227,7 @@
     </p:spTree>
     <p:extLst>
       <p:ext uri="{BB962C8B-B14F-4D97-AF65-F5344CB8AC3E}">
-        <p14:creationId xmlns:p14="http://schemas.microsoft.com/office/powerpoint/2010/main" val="297319610"/>
+        <p14:creationId xmlns:p14="http://schemas.microsoft.com/office/powerpoint/2010/main" val="188965839"/>
       </p:ext>
     </p:extLst>
   </p:cSld>
@@ -5273,48 +5271,71 @@
           <a:p>
             <a:r>
               <a:rPr lang="en-US" dirty="0" smtClean="0"/>
-              <a:t>Spring </a:t>
+              <a:t>Develop persistence interfaces</a:t>
+            </a:r>
+            <a:endParaRPr lang="en-GB" dirty="0"/>
+          </a:p>
+        </p:txBody>
+      </p:sp>
+      <p:sp>
+        <p:nvSpPr>
+          <p:cNvPr id="3" name="Content Placeholder 2"/>
+          <p:cNvSpPr>
+            <a:spLocks noGrp="1"/>
+          </p:cNvSpPr>
+          <p:nvPr>
+            <p:ph idx="1"/>
+          </p:nvPr>
+        </p:nvSpPr>
+        <p:spPr/>
+        <p:txBody>
+          <a:bodyPr/>
+          <a:lstStyle/>
+          <a:p>
+            <a:r>
+              <a:rPr lang="en-US" dirty="0" smtClean="0"/>
+              <a:t>Public interface </a:t>
             </a:r>
             <a:r>
               <a:rPr lang="en-US" dirty="0" err="1" smtClean="0"/>
-              <a:t>jdbc</a:t>
-            </a:r>
-            <a:r>
-              <a:rPr lang="en-US" dirty="0" smtClean="0"/>
-              <a:t> process</a:t>
+              <a:t>CustomerQuery</a:t>
+            </a:r>
+            <a:r>
+              <a:rPr lang="en-US" dirty="0" smtClean="0"/>
+              <a:t> {</a:t>
+            </a:r>
+          </a:p>
+          <a:p>
+            <a:pPr lvl="1"/>
+            <a:r>
+              <a:rPr lang="en-US" dirty="0" smtClean="0"/>
+              <a:t>Public Customer </a:t>
+            </a:r>
+            <a:r>
+              <a:rPr lang="en-US" dirty="0" err="1" smtClean="0"/>
+              <a:t>getCustomerByName</a:t>
+            </a:r>
+            <a:r>
+              <a:rPr lang="en-US" dirty="0" smtClean="0"/>
+              <a:t>(String name);</a:t>
+            </a:r>
+          </a:p>
+          <a:p>
+            <a:pPr marL="201168" lvl="1" indent="0">
+              <a:buNone/>
+            </a:pPr>
+            <a:r>
+              <a:rPr lang="en-US" dirty="0"/>
+              <a:t>}</a:t>
             </a:r>
             <a:endParaRPr lang="en-GB" dirty="0"/>
           </a:p>
         </p:txBody>
       </p:sp>
-      <p:pic>
-        <p:nvPicPr>
-          <p:cNvPr id="4" name="Picture 3"/>
-          <p:cNvPicPr>
-            <a:picLocks noChangeAspect="1"/>
-          </p:cNvPicPr>
-          <p:nvPr/>
-        </p:nvPicPr>
-        <p:blipFill>
-          <a:blip r:embed="rId2"/>
-          <a:stretch>
-            <a:fillRect/>
-          </a:stretch>
-        </p:blipFill>
-        <p:spPr>
-          <a:xfrm>
-            <a:off x="2614436" y="2324099"/>
-            <a:ext cx="6534150" cy="2819400"/>
-          </a:xfrm>
-          <a:prstGeom prst="rect">
-            <a:avLst/>
-          </a:prstGeom>
-        </p:spPr>
-      </p:pic>
     </p:spTree>
     <p:extLst>
       <p:ext uri="{BB962C8B-B14F-4D97-AF65-F5344CB8AC3E}">
-        <p14:creationId xmlns:p14="http://schemas.microsoft.com/office/powerpoint/2010/main" val="188965839"/>
+        <p14:creationId xmlns:p14="http://schemas.microsoft.com/office/powerpoint/2010/main" val="1108655789"/>
       </p:ext>
     </p:extLst>
   </p:cSld>
@@ -5364,65 +5385,34 @@
           </a:p>
         </p:txBody>
       </p:sp>
-      <p:sp>
-        <p:nvSpPr>
-          <p:cNvPr id="3" name="Content Placeholder 2"/>
-          <p:cNvSpPr>
-            <a:spLocks noGrp="1"/>
-          </p:cNvSpPr>
-          <p:nvPr>
-            <p:ph idx="1"/>
-          </p:nvPr>
-        </p:nvSpPr>
-        <p:spPr/>
-        <p:txBody>
-          <a:bodyPr/>
-          <a:lstStyle/>
-          <a:p>
-            <a:r>
-              <a:rPr lang="en-US" dirty="0" smtClean="0"/>
-              <a:t>Public interface </a:t>
-            </a:r>
-            <a:r>
-              <a:rPr lang="en-US" dirty="0" err="1" smtClean="0"/>
-              <a:t>CustomerQuery</a:t>
-            </a:r>
-            <a:r>
-              <a:rPr lang="en-US" dirty="0" smtClean="0"/>
-              <a:t> {</a:t>
-            </a:r>
-          </a:p>
-          <a:p>
-            <a:pPr lvl="1"/>
-            <a:r>
-              <a:rPr lang="en-US" dirty="0" smtClean="0"/>
-              <a:t>Public Customer </a:t>
-            </a:r>
-            <a:r>
-              <a:rPr lang="en-US" dirty="0" err="1" smtClean="0"/>
-              <a:t>getCustomerByName</a:t>
-            </a:r>
-            <a:r>
-              <a:rPr lang="en-US" dirty="0" smtClean="0"/>
-              <a:t>(String name);</a:t>
-            </a:r>
-          </a:p>
-          <a:p>
-            <a:pPr marL="201168" lvl="1" indent="0">
-              <a:buNone/>
-            </a:pPr>
-            <a:r>
-              <a:rPr lang="en-US" dirty="0"/>
-              <a:t>}</a:t>
-            </a:r>
-            <a:endParaRPr lang="en-GB" dirty="0"/>
-          </a:p>
-        </p:txBody>
-      </p:sp>
+      <p:pic>
+        <p:nvPicPr>
+          <p:cNvPr id="5" name="Picture 4"/>
+          <p:cNvPicPr>
+            <a:picLocks noChangeAspect="1"/>
+          </p:cNvPicPr>
+          <p:nvPr/>
+        </p:nvPicPr>
+        <p:blipFill>
+          <a:blip r:embed="rId2"/>
+          <a:stretch>
+            <a:fillRect/>
+          </a:stretch>
+        </p:blipFill>
+        <p:spPr>
+          <a:xfrm>
+            <a:off x="1258057" y="1881010"/>
+            <a:ext cx="7287631" cy="4302971"/>
+          </a:xfrm>
+          <a:prstGeom prst="rect">
+            <a:avLst/>
+          </a:prstGeom>
+        </p:spPr>
+      </p:pic>
     </p:spTree>
     <p:extLst>
       <p:ext uri="{BB962C8B-B14F-4D97-AF65-F5344CB8AC3E}">
-        <p14:creationId xmlns:p14="http://schemas.microsoft.com/office/powerpoint/2010/main" val="1108655789"/>
+        <p14:creationId xmlns:p14="http://schemas.microsoft.com/office/powerpoint/2010/main" val="2587176220"/>
       </p:ext>
     </p:extLst>
   </p:cSld>
@@ -5466,7 +5456,15 @@
           <a:p>
             <a:r>
               <a:rPr lang="en-US" dirty="0" smtClean="0"/>
-              <a:t>Develop persistence interfaces</a:t>
+              <a:t>Register </a:t>
+            </a:r>
+            <a:r>
+              <a:rPr lang="en-US" dirty="0" err="1" smtClean="0"/>
+              <a:t>jdbc</a:t>
+            </a:r>
+            <a:r>
+              <a:rPr lang="en-US" dirty="0" smtClean="0"/>
+              <a:t> jars</a:t>
             </a:r>
             <a:endParaRPr lang="en-GB" dirty="0"/>
           </a:p>
@@ -5474,7 +5472,7 @@
       </p:sp>
       <p:pic>
         <p:nvPicPr>
-          <p:cNvPr id="5" name="Picture 4"/>
+          <p:cNvPr id="4" name="Picture 3"/>
           <p:cNvPicPr>
             <a:picLocks noChangeAspect="1"/>
           </p:cNvPicPr>
@@ -5488,8 +5486,8 @@
         </p:blipFill>
         <p:spPr>
           <a:xfrm>
-            <a:off x="2556279" y="1881010"/>
-            <a:ext cx="7287631" cy="4302971"/>
+            <a:off x="1176513" y="1888596"/>
+            <a:ext cx="6610350" cy="4029075"/>
           </a:xfrm>
           <a:prstGeom prst="rect">
             <a:avLst/>
@@ -5499,7 +5497,7 @@
     </p:spTree>
     <p:extLst>
       <p:ext uri="{BB962C8B-B14F-4D97-AF65-F5344CB8AC3E}">
-        <p14:creationId xmlns:p14="http://schemas.microsoft.com/office/powerpoint/2010/main" val="2587176220"/>
+        <p14:creationId xmlns:p14="http://schemas.microsoft.com/office/powerpoint/2010/main" val="804947240"/>
       </p:ext>
     </p:extLst>
   </p:cSld>
@@ -5543,7 +5541,7 @@
           <a:p>
             <a:r>
               <a:rPr lang="en-US" dirty="0" smtClean="0"/>
-              <a:t>Register </a:t>
+              <a:t>Register spring </a:t>
             </a:r>
             <a:r>
               <a:rPr lang="en-US" dirty="0" err="1" smtClean="0"/>
@@ -5551,7 +5549,11 @@
             </a:r>
             <a:r>
               <a:rPr lang="en-US" dirty="0" smtClean="0"/>
-              <a:t> jars</a:t>
+              <a:t> jars eclipse .</a:t>
+            </a:r>
+            <a:r>
+              <a:rPr lang="en-US" dirty="0" err="1" smtClean="0"/>
+              <a:t>classpath</a:t>
             </a:r>
             <a:endParaRPr lang="en-GB" dirty="0"/>
           </a:p>
@@ -5573,8 +5575,8 @@
         </p:blipFill>
         <p:spPr>
           <a:xfrm>
-            <a:off x="2666647" y="1888596"/>
-            <a:ext cx="6610350" cy="4029075"/>
+            <a:off x="1210522" y="2146300"/>
+            <a:ext cx="6648450" cy="2971800"/>
           </a:xfrm>
           <a:prstGeom prst="rect">
             <a:avLst/>
@@ -5584,7 +5586,7 @@
     </p:spTree>
     <p:extLst>
       <p:ext uri="{BB962C8B-B14F-4D97-AF65-F5344CB8AC3E}">
-        <p14:creationId xmlns:p14="http://schemas.microsoft.com/office/powerpoint/2010/main" val="804947240"/>
+        <p14:creationId xmlns:p14="http://schemas.microsoft.com/office/powerpoint/2010/main" val="3788368736"/>
       </p:ext>
     </p:extLst>
   </p:cSld>
@@ -5628,19 +5630,7 @@
           <a:p>
             <a:r>
               <a:rPr lang="en-US" dirty="0" smtClean="0"/>
-              <a:t>Register spring </a:t>
-            </a:r>
-            <a:r>
-              <a:rPr lang="en-US" dirty="0" err="1" smtClean="0"/>
-              <a:t>jdbc</a:t>
-            </a:r>
-            <a:r>
-              <a:rPr lang="en-US" dirty="0" smtClean="0"/>
-              <a:t> jars eclipse .</a:t>
-            </a:r>
-            <a:r>
-              <a:rPr lang="en-US" dirty="0" err="1" smtClean="0"/>
-              <a:t>classpath</a:t>
+              <a:t>Implement persistence class</a:t>
             </a:r>
             <a:endParaRPr lang="en-GB" dirty="0"/>
           </a:p>
@@ -5648,7 +5638,7 @@
       </p:sp>
       <p:pic>
         <p:nvPicPr>
-          <p:cNvPr id="4" name="Picture 3"/>
+          <p:cNvPr id="3" name="Picture 2"/>
           <p:cNvPicPr>
             <a:picLocks noChangeAspect="1"/>
           </p:cNvPicPr>
@@ -5662,8 +5652,8 @@
         </p:blipFill>
         <p:spPr>
           <a:xfrm>
-            <a:off x="2802255" y="2349500"/>
-            <a:ext cx="6648450" cy="2971800"/>
+            <a:off x="1198916" y="1864606"/>
+            <a:ext cx="6791325" cy="4257675"/>
           </a:xfrm>
           <a:prstGeom prst="rect">
             <a:avLst/>
@@ -5673,7 +5663,7 @@
     </p:spTree>
     <p:extLst>
       <p:ext uri="{BB962C8B-B14F-4D97-AF65-F5344CB8AC3E}">
-        <p14:creationId xmlns:p14="http://schemas.microsoft.com/office/powerpoint/2010/main" val="3788368736"/>
+        <p14:creationId xmlns:p14="http://schemas.microsoft.com/office/powerpoint/2010/main" val="739985257"/>
       </p:ext>
     </p:extLst>
   </p:cSld>
@@ -5739,8 +5729,8 @@
         </p:blipFill>
         <p:spPr>
           <a:xfrm>
-            <a:off x="2732493" y="1914701"/>
-            <a:ext cx="6787974" cy="4256189"/>
+            <a:off x="1236982" y="1938867"/>
+            <a:ext cx="6911615" cy="3908778"/>
           </a:xfrm>
           <a:prstGeom prst="rect">
             <a:avLst/>
@@ -5750,7 +5740,7 @@
     </p:spTree>
     <p:extLst>
       <p:ext uri="{BB962C8B-B14F-4D97-AF65-F5344CB8AC3E}">
-        <p14:creationId xmlns:p14="http://schemas.microsoft.com/office/powerpoint/2010/main" val="739985257"/>
+        <p14:creationId xmlns:p14="http://schemas.microsoft.com/office/powerpoint/2010/main" val="3004942095"/>
       </p:ext>
     </p:extLst>
   </p:cSld>
@@ -5794,35 +5784,48 @@
           <a:p>
             <a:r>
               <a:rPr lang="en-US" dirty="0" smtClean="0"/>
-              <a:t>Introduction </a:t>
+              <a:t>Spring </a:t>
+            </a:r>
+            <a:r>
+              <a:rPr lang="en-US" dirty="0" err="1" smtClean="0"/>
+              <a:t>jdbc</a:t>
+            </a:r>
+            <a:r>
+              <a:rPr lang="en-US" dirty="0" smtClean="0"/>
+              <a:t> solution</a:t>
             </a:r>
             <a:endParaRPr lang="en-GB" dirty="0"/>
           </a:p>
         </p:txBody>
       </p:sp>
-      <p:sp>
-        <p:nvSpPr>
-          <p:cNvPr id="3" name="Content Placeholder 2"/>
-          <p:cNvSpPr>
-            <a:spLocks noGrp="1"/>
-          </p:cNvSpPr>
-          <p:nvPr>
-            <p:ph idx="1"/>
-          </p:nvPr>
-        </p:nvSpPr>
-        <p:spPr/>
-        <p:txBody>
-          <a:bodyPr/>
-          <a:lstStyle/>
-          <a:p>
-            <a:endParaRPr lang="en-GB" dirty="0"/>
-          </a:p>
-        </p:txBody>
-      </p:sp>
+      <p:pic>
+        <p:nvPicPr>
+          <p:cNvPr id="3" name="Picture 2"/>
+          <p:cNvPicPr>
+            <a:picLocks noChangeAspect="1"/>
+          </p:cNvPicPr>
+          <p:nvPr/>
+        </p:nvPicPr>
+        <p:blipFill>
+          <a:blip r:embed="rId2"/>
+          <a:stretch>
+            <a:fillRect/>
+          </a:stretch>
+        </p:blipFill>
+        <p:spPr>
+          <a:xfrm>
+            <a:off x="1192564" y="1819275"/>
+            <a:ext cx="7210425" cy="4438650"/>
+          </a:xfrm>
+          <a:prstGeom prst="rect">
+            <a:avLst/>
+          </a:prstGeom>
+        </p:spPr>
+      </p:pic>
     </p:spTree>
     <p:extLst>
       <p:ext uri="{BB962C8B-B14F-4D97-AF65-F5344CB8AC3E}">
-        <p14:creationId xmlns:p14="http://schemas.microsoft.com/office/powerpoint/2010/main" val="2958291517"/>
+        <p14:creationId xmlns:p14="http://schemas.microsoft.com/office/powerpoint/2010/main" val="2274129237"/>
       </p:ext>
     </p:extLst>
   </p:cSld>
@@ -5866,7 +5869,7 @@
           <a:p>
             <a:r>
               <a:rPr lang="en-US" dirty="0" smtClean="0"/>
-              <a:t>Implement persistence class</a:t>
+              <a:t>Initialize and execute persistence objects</a:t>
             </a:r>
             <a:endParaRPr lang="en-GB" dirty="0"/>
           </a:p>
@@ -5888,8 +5891,32 @@
         </p:blipFill>
         <p:spPr>
           <a:xfrm>
-            <a:off x="2670672" y="1984023"/>
-            <a:ext cx="6911615" cy="3908778"/>
+            <a:off x="1237015" y="1881328"/>
+            <a:ext cx="6715125" cy="3038475"/>
+          </a:xfrm>
+          <a:prstGeom prst="rect">
+            <a:avLst/>
+          </a:prstGeom>
+        </p:spPr>
+      </p:pic>
+      <p:pic>
+        <p:nvPicPr>
+          <p:cNvPr id="5" name="Picture 4"/>
+          <p:cNvPicPr>
+            <a:picLocks noChangeAspect="1"/>
+          </p:cNvPicPr>
+          <p:nvPr/>
+        </p:nvPicPr>
+        <p:blipFill>
+          <a:blip r:embed="rId3"/>
+          <a:stretch>
+            <a:fillRect/>
+          </a:stretch>
+        </p:blipFill>
+        <p:spPr>
+          <a:xfrm>
+            <a:off x="1097280" y="4691238"/>
+            <a:ext cx="6410325" cy="952500"/>
           </a:xfrm>
           <a:prstGeom prst="rect">
             <a:avLst/>
@@ -5899,7 +5926,7 @@
     </p:spTree>
     <p:extLst>
       <p:ext uri="{BB962C8B-B14F-4D97-AF65-F5344CB8AC3E}">
-        <p14:creationId xmlns:p14="http://schemas.microsoft.com/office/powerpoint/2010/main" val="3004942095"/>
+        <p14:creationId xmlns:p14="http://schemas.microsoft.com/office/powerpoint/2010/main" val="1585480533"/>
       </p:ext>
     </p:extLst>
   </p:cSld>
@@ -5936,71 +5963,36 @@
             <p:ph type="title"/>
           </p:nvPr>
         </p:nvSpPr>
-        <p:spPr/>
-        <p:txBody>
-          <a:bodyPr/>
-          <a:lstStyle/>
-          <a:p>
-            <a:r>
-              <a:rPr lang="en-US" dirty="0" smtClean="0"/>
-              <a:t>Initialize and execute persistence objects</a:t>
+        <p:spPr>
+          <a:xfrm>
+            <a:off x="1831058" y="2013804"/>
+            <a:ext cx="9582009" cy="1450757"/>
+          </a:xfrm>
+        </p:spPr>
+        <p:txBody>
+          <a:bodyPr/>
+          <a:lstStyle/>
+          <a:p>
+            <a:r>
+              <a:rPr lang="en-US" dirty="0" smtClean="0"/>
+              <a:t>Spring JDBC and spring </a:t>
+            </a:r>
+            <a:r>
+              <a:rPr lang="en-US" dirty="0" err="1" smtClean="0"/>
+              <a:t>IoC</a:t>
+            </a:r>
+            <a:r>
+              <a:rPr lang="en-US" dirty="0" smtClean="0"/>
+              <a:t> process</a:t>
             </a:r>
             <a:endParaRPr lang="en-GB" dirty="0"/>
           </a:p>
         </p:txBody>
       </p:sp>
-      <p:pic>
-        <p:nvPicPr>
-          <p:cNvPr id="4" name="Picture 3"/>
-          <p:cNvPicPr>
-            <a:picLocks noChangeAspect="1"/>
-          </p:cNvPicPr>
-          <p:nvPr/>
-        </p:nvPicPr>
-        <p:blipFill>
-          <a:blip r:embed="rId2"/>
-          <a:stretch>
-            <a:fillRect/>
-          </a:stretch>
-        </p:blipFill>
-        <p:spPr>
-          <a:xfrm>
-            <a:off x="2625548" y="1943629"/>
-            <a:ext cx="6715125" cy="3038475"/>
-          </a:xfrm>
-          <a:prstGeom prst="rect">
-            <a:avLst/>
-          </a:prstGeom>
-        </p:spPr>
-      </p:pic>
-      <p:pic>
-        <p:nvPicPr>
-          <p:cNvPr id="5" name="Picture 4"/>
-          <p:cNvPicPr>
-            <a:picLocks noChangeAspect="1"/>
-          </p:cNvPicPr>
-          <p:nvPr/>
-        </p:nvPicPr>
-        <p:blipFill>
-          <a:blip r:embed="rId3"/>
-          <a:stretch>
-            <a:fillRect/>
-          </a:stretch>
-        </p:blipFill>
-        <p:spPr>
-          <a:xfrm>
-            <a:off x="2777947" y="5063772"/>
-            <a:ext cx="6410325" cy="952500"/>
-          </a:xfrm>
-          <a:prstGeom prst="rect">
-            <a:avLst/>
-          </a:prstGeom>
-        </p:spPr>
-      </p:pic>
     </p:spTree>
     <p:extLst>
       <p:ext uri="{BB962C8B-B14F-4D97-AF65-F5344CB8AC3E}">
-        <p14:creationId xmlns:p14="http://schemas.microsoft.com/office/powerpoint/2010/main" val="1585480533"/>
+        <p14:creationId xmlns:p14="http://schemas.microsoft.com/office/powerpoint/2010/main" val="940348951"/>
       </p:ext>
     </p:extLst>
   </p:cSld>
@@ -6058,29 +6050,34 @@
           </a:p>
         </p:txBody>
       </p:sp>
-      <p:sp>
-        <p:nvSpPr>
-          <p:cNvPr id="3" name="Content Placeholder 2"/>
-          <p:cNvSpPr>
-            <a:spLocks noGrp="1"/>
-          </p:cNvSpPr>
-          <p:nvPr>
-            <p:ph idx="1"/>
-          </p:nvPr>
-        </p:nvSpPr>
-        <p:spPr/>
-        <p:txBody>
-          <a:bodyPr/>
-          <a:lstStyle/>
-          <a:p>
-            <a:endParaRPr lang="en-GB" dirty="0"/>
-          </a:p>
-        </p:txBody>
-      </p:sp>
+      <p:pic>
+        <p:nvPicPr>
+          <p:cNvPr id="4" name="Picture 3"/>
+          <p:cNvPicPr>
+            <a:picLocks noChangeAspect="1"/>
+          </p:cNvPicPr>
+          <p:nvPr/>
+        </p:nvPicPr>
+        <p:blipFill>
+          <a:blip r:embed="rId2"/>
+          <a:stretch>
+            <a:fillRect/>
+          </a:stretch>
+        </p:blipFill>
+        <p:spPr>
+          <a:xfrm>
+            <a:off x="1247305" y="1873956"/>
+            <a:ext cx="6601966" cy="4320046"/>
+          </a:xfrm>
+          <a:prstGeom prst="rect">
+            <a:avLst/>
+          </a:prstGeom>
+        </p:spPr>
+      </p:pic>
     </p:spTree>
     <p:extLst>
       <p:ext uri="{BB962C8B-B14F-4D97-AF65-F5344CB8AC3E}">
-        <p14:creationId xmlns:p14="http://schemas.microsoft.com/office/powerpoint/2010/main" val="940348951"/>
+        <p14:creationId xmlns:p14="http://schemas.microsoft.com/office/powerpoint/2010/main" val="3760940708"/>
       </p:ext>
     </p:extLst>
   </p:cSld>
@@ -6154,8 +6151,8 @@
         </p:blipFill>
         <p:spPr>
           <a:xfrm>
-            <a:off x="2748727" y="1862667"/>
-            <a:ext cx="6601966" cy="4320046"/>
+            <a:off x="1196269" y="1834443"/>
+            <a:ext cx="6818842" cy="4344749"/>
           </a:xfrm>
           <a:prstGeom prst="rect">
             <a:avLst/>
@@ -6165,7 +6162,7 @@
     </p:spTree>
     <p:extLst>
       <p:ext uri="{BB962C8B-B14F-4D97-AF65-F5344CB8AC3E}">
-        <p14:creationId xmlns:p14="http://schemas.microsoft.com/office/powerpoint/2010/main" val="3760940708"/>
+        <p14:creationId xmlns:p14="http://schemas.microsoft.com/office/powerpoint/2010/main" val="4015681509"/>
       </p:ext>
     </p:extLst>
   </p:cSld>
@@ -6209,7 +6206,7 @@
           <a:p>
             <a:r>
               <a:rPr lang="en-US" dirty="0" smtClean="0"/>
-              <a:t>Spring JDBC and spring </a:t>
+              <a:t>Spring JDBC and Spring </a:t>
             </a:r>
             <a:r>
               <a:rPr lang="en-US" dirty="0" err="1" smtClean="0"/>
@@ -6239,8 +6236,8 @@
         </p:blipFill>
         <p:spPr>
           <a:xfrm>
-            <a:off x="2584802" y="1857021"/>
-            <a:ext cx="6818842" cy="4344749"/>
+            <a:off x="1210169" y="1972556"/>
+            <a:ext cx="7456960" cy="2971977"/>
           </a:xfrm>
           <a:prstGeom prst="rect">
             <a:avLst/>
@@ -6250,7 +6247,7 @@
     </p:spTree>
     <p:extLst>
       <p:ext uri="{BB962C8B-B14F-4D97-AF65-F5344CB8AC3E}">
-        <p14:creationId xmlns:p14="http://schemas.microsoft.com/office/powerpoint/2010/main" val="4015681509"/>
+        <p14:creationId xmlns:p14="http://schemas.microsoft.com/office/powerpoint/2010/main" val="1028345545"/>
       </p:ext>
     </p:extLst>
   </p:cSld>
@@ -6294,15 +6291,7 @@
           <a:p>
             <a:r>
               <a:rPr lang="en-US" dirty="0" smtClean="0"/>
-              <a:t>Spring JDBC and Spring </a:t>
-            </a:r>
-            <a:r>
-              <a:rPr lang="en-US" dirty="0" err="1" smtClean="0"/>
-              <a:t>IoC</a:t>
-            </a:r>
-            <a:r>
-              <a:rPr lang="en-US" dirty="0" smtClean="0"/>
-              <a:t> process</a:t>
+              <a:t>Develop persistence interfaces</a:t>
             </a:r>
             <a:endParaRPr lang="en-GB" dirty="0"/>
           </a:p>
@@ -6324,8 +6313,8 @@
         </p:blipFill>
         <p:spPr>
           <a:xfrm>
-            <a:off x="2516364" y="2164467"/>
-            <a:ext cx="7456960" cy="2971977"/>
+            <a:off x="1253419" y="2064103"/>
+            <a:ext cx="6343650" cy="1352550"/>
           </a:xfrm>
           <a:prstGeom prst="rect">
             <a:avLst/>
@@ -6335,7 +6324,7 @@
     </p:spTree>
     <p:extLst>
       <p:ext uri="{BB962C8B-B14F-4D97-AF65-F5344CB8AC3E}">
-        <p14:creationId xmlns:p14="http://schemas.microsoft.com/office/powerpoint/2010/main" val="1028345545"/>
+        <p14:creationId xmlns:p14="http://schemas.microsoft.com/office/powerpoint/2010/main" val="3766265101"/>
       </p:ext>
     </p:extLst>
   </p:cSld>
@@ -6387,7 +6376,7 @@
       </p:sp>
       <p:pic>
         <p:nvPicPr>
-          <p:cNvPr id="4" name="Picture 3"/>
+          <p:cNvPr id="3" name="Picture 2"/>
           <p:cNvPicPr>
             <a:picLocks noChangeAspect="1"/>
           </p:cNvPicPr>
@@ -6401,8 +6390,8 @@
         </p:blipFill>
         <p:spPr>
           <a:xfrm>
-            <a:off x="2743553" y="2041525"/>
-            <a:ext cx="6343650" cy="1352550"/>
+            <a:off x="1203677" y="1896709"/>
+            <a:ext cx="6781800" cy="4238625"/>
           </a:xfrm>
           <a:prstGeom prst="rect">
             <a:avLst/>
@@ -6412,7 +6401,7 @@
     </p:spTree>
     <p:extLst>
       <p:ext uri="{BB962C8B-B14F-4D97-AF65-F5344CB8AC3E}">
-        <p14:creationId xmlns:p14="http://schemas.microsoft.com/office/powerpoint/2010/main" val="3766265101"/>
+        <p14:creationId xmlns:p14="http://schemas.microsoft.com/office/powerpoint/2010/main" val="3339697953"/>
       </p:ext>
     </p:extLst>
   </p:cSld>
@@ -6456,7 +6445,7 @@
           <a:p>
             <a:r>
               <a:rPr lang="en-US" dirty="0" smtClean="0"/>
-              <a:t>Develop persistence interfaces</a:t>
+              <a:t>Register spring JDBC jars</a:t>
             </a:r>
             <a:endParaRPr lang="en-GB" dirty="0"/>
           </a:p>
@@ -6478,8 +6467,8 @@
         </p:blipFill>
         <p:spPr>
           <a:xfrm>
-            <a:off x="3029884" y="1877306"/>
-            <a:ext cx="6780213" cy="4236381"/>
+            <a:off x="1186179" y="1838959"/>
+            <a:ext cx="7532512" cy="4456006"/>
           </a:xfrm>
           <a:prstGeom prst="rect">
             <a:avLst/>
@@ -6489,7 +6478,7 @@
     </p:spTree>
     <p:extLst>
       <p:ext uri="{BB962C8B-B14F-4D97-AF65-F5344CB8AC3E}">
-        <p14:creationId xmlns:p14="http://schemas.microsoft.com/office/powerpoint/2010/main" val="3339697953"/>
+        <p14:creationId xmlns:p14="http://schemas.microsoft.com/office/powerpoint/2010/main" val="4126891267"/>
       </p:ext>
     </p:extLst>
   </p:cSld>
@@ -6533,7 +6522,11 @@
           <a:p>
             <a:r>
               <a:rPr lang="en-US" dirty="0" smtClean="0"/>
-              <a:t>Register spring JDBC jars</a:t>
+              <a:t>Register spring JDBC jars eclipse .</a:t>
+            </a:r>
+            <a:r>
+              <a:rPr lang="en-US" dirty="0" err="1" smtClean="0"/>
+              <a:t>classpath</a:t>
             </a:r>
             <a:endParaRPr lang="en-GB" dirty="0"/>
           </a:p>
@@ -6555,8 +6548,8 @@
         </p:blipFill>
         <p:spPr>
           <a:xfrm>
-            <a:off x="2360224" y="1827671"/>
-            <a:ext cx="7532512" cy="4456006"/>
+            <a:off x="1187591" y="2049992"/>
+            <a:ext cx="6705600" cy="3028950"/>
           </a:xfrm>
           <a:prstGeom prst="rect">
             <a:avLst/>
@@ -6566,7 +6559,7 @@
     </p:spTree>
     <p:extLst>
       <p:ext uri="{BB962C8B-B14F-4D97-AF65-F5344CB8AC3E}">
-        <p14:creationId xmlns:p14="http://schemas.microsoft.com/office/powerpoint/2010/main" val="4126891267"/>
+        <p14:creationId xmlns:p14="http://schemas.microsoft.com/office/powerpoint/2010/main" val="1209503534"/>
       </p:ext>
     </p:extLst>
   </p:cSld>
@@ -6610,11 +6603,7 @@
           <a:p>
             <a:r>
               <a:rPr lang="en-US" dirty="0" smtClean="0"/>
-              <a:t>Register spring JDBC jars eclipse .</a:t>
-            </a:r>
-            <a:r>
-              <a:rPr lang="en-US" dirty="0" err="1" smtClean="0"/>
-              <a:t>classpath</a:t>
+              <a:t>Implement persistence class</a:t>
             </a:r>
             <a:endParaRPr lang="en-GB" dirty="0"/>
           </a:p>
@@ -6622,7 +6611,7 @@
       </p:sp>
       <p:pic>
         <p:nvPicPr>
-          <p:cNvPr id="4" name="Picture 3"/>
+          <p:cNvPr id="3" name="Picture 2"/>
           <p:cNvPicPr>
             <a:picLocks noChangeAspect="1"/>
           </p:cNvPicPr>
@@ -6636,8 +6625,8 @@
         </p:blipFill>
         <p:spPr>
           <a:xfrm>
-            <a:off x="2743200" y="1914525"/>
-            <a:ext cx="6705600" cy="3028950"/>
+            <a:off x="1233133" y="1946804"/>
+            <a:ext cx="6429375" cy="4048125"/>
           </a:xfrm>
           <a:prstGeom prst="rect">
             <a:avLst/>
@@ -6647,7 +6636,7 @@
     </p:spTree>
     <p:extLst>
       <p:ext uri="{BB962C8B-B14F-4D97-AF65-F5344CB8AC3E}">
-        <p14:creationId xmlns:p14="http://schemas.microsoft.com/office/powerpoint/2010/main" val="1209503534"/>
+        <p14:creationId xmlns:p14="http://schemas.microsoft.com/office/powerpoint/2010/main" val="244547864"/>
       </p:ext>
     </p:extLst>
   </p:cSld>
@@ -6691,15 +6680,7 @@
           <a:p>
             <a:r>
               <a:rPr lang="en-US" dirty="0" smtClean="0"/>
-              <a:t>Spring </a:t>
-            </a:r>
-            <a:r>
-              <a:rPr lang="en-US" dirty="0" err="1" smtClean="0"/>
-              <a:t>jdbc</a:t>
-            </a:r>
-            <a:r>
-              <a:rPr lang="en-US" dirty="0" smtClean="0"/>
-              <a:t> solution</a:t>
+              <a:t>Spring JDBC</a:t>
             </a:r>
             <a:endParaRPr lang="en-GB" dirty="0"/>
           </a:p>
@@ -6721,8 +6702,8 @@
         </p:blipFill>
         <p:spPr>
           <a:xfrm>
-            <a:off x="2937389" y="1862667"/>
-            <a:ext cx="7211322" cy="4439340"/>
+            <a:off x="1176303" y="1816383"/>
+            <a:ext cx="6680764" cy="4341504"/>
           </a:xfrm>
           <a:prstGeom prst="rect">
             <a:avLst/>
@@ -6732,7 +6713,7 @@
     </p:spTree>
     <p:extLst>
       <p:ext uri="{BB962C8B-B14F-4D97-AF65-F5344CB8AC3E}">
-        <p14:creationId xmlns:p14="http://schemas.microsoft.com/office/powerpoint/2010/main" val="2274129237"/>
+        <p14:creationId xmlns:p14="http://schemas.microsoft.com/office/powerpoint/2010/main" val="3697215861"/>
       </p:ext>
     </p:extLst>
   </p:cSld>
@@ -6798,8 +6779,8 @@
         </p:blipFill>
         <p:spPr>
           <a:xfrm>
-            <a:off x="2802290" y="2059692"/>
-            <a:ext cx="6429375" cy="4048125"/>
+            <a:off x="1220965" y="1971675"/>
+            <a:ext cx="7087658" cy="3071988"/>
           </a:xfrm>
           <a:prstGeom prst="rect">
             <a:avLst/>
@@ -6809,7 +6790,7 @@
     </p:spTree>
     <p:extLst>
       <p:ext uri="{BB962C8B-B14F-4D97-AF65-F5344CB8AC3E}">
-        <p14:creationId xmlns:p14="http://schemas.microsoft.com/office/powerpoint/2010/main" val="244547864"/>
+        <p14:creationId xmlns:p14="http://schemas.microsoft.com/office/powerpoint/2010/main" val="3410944636"/>
       </p:ext>
     </p:extLst>
   </p:cSld>
@@ -6853,7 +6834,7 @@
           <a:p>
             <a:r>
               <a:rPr lang="en-US" dirty="0" smtClean="0"/>
-              <a:t>Implement persistence class</a:t>
+              <a:t>Implement persistence class	</a:t>
             </a:r>
             <a:endParaRPr lang="en-GB" dirty="0"/>
           </a:p>
@@ -6875,8 +6856,8 @@
         </p:blipFill>
         <p:spPr>
           <a:xfrm>
-            <a:off x="2790120" y="2253897"/>
-            <a:ext cx="7087658" cy="3071988"/>
+            <a:off x="1187591" y="1885422"/>
+            <a:ext cx="7350829" cy="3989552"/>
           </a:xfrm>
           <a:prstGeom prst="rect">
             <a:avLst/>
@@ -6886,7 +6867,7 @@
     </p:spTree>
     <p:extLst>
       <p:ext uri="{BB962C8B-B14F-4D97-AF65-F5344CB8AC3E}">
-        <p14:creationId xmlns:p14="http://schemas.microsoft.com/office/powerpoint/2010/main" val="3410944636"/>
+        <p14:creationId xmlns:p14="http://schemas.microsoft.com/office/powerpoint/2010/main" val="3881453142"/>
       </p:ext>
     </p:extLst>
   </p:cSld>
@@ -6930,40 +6911,56 @@
           <a:p>
             <a:r>
               <a:rPr lang="en-US" dirty="0" smtClean="0"/>
-              <a:t>Implement persistence class	</a:t>
+              <a:t>Create the bean definitions file</a:t>
             </a:r>
             <a:endParaRPr lang="en-GB" dirty="0"/>
           </a:p>
         </p:txBody>
       </p:sp>
-      <p:pic>
-        <p:nvPicPr>
-          <p:cNvPr id="4" name="Picture 3"/>
-          <p:cNvPicPr>
-            <a:picLocks noChangeAspect="1"/>
-          </p:cNvPicPr>
-          <p:nvPr/>
-        </p:nvPicPr>
-        <p:blipFill>
-          <a:blip r:embed="rId2"/>
-          <a:stretch>
-            <a:fillRect/>
-          </a:stretch>
-        </p:blipFill>
-        <p:spPr>
-          <a:xfrm>
-            <a:off x="2552665" y="2054755"/>
-            <a:ext cx="7350829" cy="3989552"/>
-          </a:xfrm>
-          <a:prstGeom prst="rect">
-            <a:avLst/>
-          </a:prstGeom>
-        </p:spPr>
-      </p:pic>
+      <p:sp>
+        <p:nvSpPr>
+          <p:cNvPr id="3" name="Content Placeholder 2"/>
+          <p:cNvSpPr>
+            <a:spLocks noGrp="1"/>
+          </p:cNvSpPr>
+          <p:nvPr>
+            <p:ph idx="1"/>
+          </p:nvPr>
+        </p:nvSpPr>
+        <p:spPr/>
+        <p:txBody>
+          <a:bodyPr/>
+          <a:lstStyle/>
+          <a:p>
+            <a:r>
+              <a:rPr lang="en-US" dirty="0" smtClean="0"/>
+              <a:t>Default to applicationContext.xml</a:t>
+            </a:r>
+          </a:p>
+          <a:p>
+            <a:r>
+              <a:rPr lang="en-US" dirty="0" smtClean="0"/>
+              <a:t>Place the file in an accessible location</a:t>
+            </a:r>
+          </a:p>
+          <a:p>
+            <a:pPr lvl="1"/>
+            <a:r>
+              <a:rPr lang="en-US" dirty="0" err="1" smtClean="0"/>
+              <a:t>Classpath</a:t>
+            </a:r>
+            <a:r>
+              <a:rPr lang="en-US" dirty="0" smtClean="0"/>
+              <a:t>, filesystem, or web module path</a:t>
+            </a:r>
+            <a:endParaRPr lang="en-GB" dirty="0"/>
+          </a:p>
+        </p:txBody>
+      </p:sp>
     </p:spTree>
     <p:extLst>
       <p:ext uri="{BB962C8B-B14F-4D97-AF65-F5344CB8AC3E}">
-        <p14:creationId xmlns:p14="http://schemas.microsoft.com/office/powerpoint/2010/main" val="3881453142"/>
+        <p14:creationId xmlns:p14="http://schemas.microsoft.com/office/powerpoint/2010/main" val="3999330730"/>
       </p:ext>
     </p:extLst>
   </p:cSld>
@@ -7007,56 +7004,40 @@
           <a:p>
             <a:r>
               <a:rPr lang="en-US" dirty="0" smtClean="0"/>
-              <a:t>Create the bean definitions file</a:t>
+              <a:t>Register beans</a:t>
             </a:r>
             <a:endParaRPr lang="en-GB" dirty="0"/>
           </a:p>
         </p:txBody>
       </p:sp>
-      <p:sp>
-        <p:nvSpPr>
-          <p:cNvPr id="3" name="Content Placeholder 2"/>
-          <p:cNvSpPr>
-            <a:spLocks noGrp="1"/>
-          </p:cNvSpPr>
-          <p:nvPr>
-            <p:ph idx="1"/>
-          </p:nvPr>
-        </p:nvSpPr>
-        <p:spPr/>
-        <p:txBody>
-          <a:bodyPr/>
-          <a:lstStyle/>
-          <a:p>
-            <a:r>
-              <a:rPr lang="en-US" dirty="0" smtClean="0"/>
-              <a:t>Default to applicationContext.xml</a:t>
-            </a:r>
-          </a:p>
-          <a:p>
-            <a:r>
-              <a:rPr lang="en-US" dirty="0" smtClean="0"/>
-              <a:t>Place the file in an accessible location</a:t>
-            </a:r>
-          </a:p>
-          <a:p>
-            <a:pPr lvl="1"/>
-            <a:r>
-              <a:rPr lang="en-US" dirty="0" err="1" smtClean="0"/>
-              <a:t>Classpath</a:t>
-            </a:r>
-            <a:r>
-              <a:rPr lang="en-US" dirty="0" smtClean="0"/>
-              <a:t>, filesystem, or web module path</a:t>
-            </a:r>
-            <a:endParaRPr lang="en-GB" dirty="0"/>
-          </a:p>
-        </p:txBody>
-      </p:sp>
+      <p:pic>
+        <p:nvPicPr>
+          <p:cNvPr id="4" name="Picture 3"/>
+          <p:cNvPicPr>
+            <a:picLocks noChangeAspect="1"/>
+          </p:cNvPicPr>
+          <p:nvPr/>
+        </p:nvPicPr>
+        <p:blipFill>
+          <a:blip r:embed="rId2"/>
+          <a:stretch>
+            <a:fillRect/>
+          </a:stretch>
+        </p:blipFill>
+        <p:spPr>
+          <a:xfrm>
+            <a:off x="1203854" y="2308225"/>
+            <a:ext cx="6600825" cy="2038350"/>
+          </a:xfrm>
+          <a:prstGeom prst="rect">
+            <a:avLst/>
+          </a:prstGeom>
+        </p:spPr>
+      </p:pic>
     </p:spTree>
     <p:extLst>
       <p:ext uri="{BB962C8B-B14F-4D97-AF65-F5344CB8AC3E}">
-        <p14:creationId xmlns:p14="http://schemas.microsoft.com/office/powerpoint/2010/main" val="3999330730"/>
+        <p14:creationId xmlns:p14="http://schemas.microsoft.com/office/powerpoint/2010/main" val="1161902845"/>
       </p:ext>
     </p:extLst>
   </p:cSld>
@@ -7122,8 +7103,8 @@
         </p:blipFill>
         <p:spPr>
           <a:xfrm>
-            <a:off x="2795587" y="2409825"/>
-            <a:ext cx="6600825" cy="2038350"/>
+            <a:off x="1194328" y="1938866"/>
+            <a:ext cx="6619875" cy="3048000"/>
           </a:xfrm>
           <a:prstGeom prst="rect">
             <a:avLst/>
@@ -7133,7 +7114,7 @@
     </p:spTree>
     <p:extLst>
       <p:ext uri="{BB962C8B-B14F-4D97-AF65-F5344CB8AC3E}">
-        <p14:creationId xmlns:p14="http://schemas.microsoft.com/office/powerpoint/2010/main" val="1161902845"/>
+        <p14:creationId xmlns:p14="http://schemas.microsoft.com/office/powerpoint/2010/main" val="3445112346"/>
       </p:ext>
     </p:extLst>
   </p:cSld>
@@ -7177,7 +7158,7 @@
           <a:p>
             <a:r>
               <a:rPr lang="en-US" dirty="0" smtClean="0"/>
-              <a:t>Register beans</a:t>
+              <a:t>Integrate configuration</a:t>
             </a:r>
             <a:endParaRPr lang="en-GB" dirty="0"/>
           </a:p>
@@ -7199,8 +7180,8 @@
         </p:blipFill>
         <p:spPr>
           <a:xfrm>
-            <a:off x="2786062" y="1905000"/>
-            <a:ext cx="6619875" cy="3048000"/>
+            <a:off x="1209851" y="2048228"/>
+            <a:ext cx="6543675" cy="1790700"/>
           </a:xfrm>
           <a:prstGeom prst="rect">
             <a:avLst/>
@@ -7210,7 +7191,7 @@
     </p:spTree>
     <p:extLst>
       <p:ext uri="{BB962C8B-B14F-4D97-AF65-F5344CB8AC3E}">
-        <p14:creationId xmlns:p14="http://schemas.microsoft.com/office/powerpoint/2010/main" val="3445112346"/>
+        <p14:creationId xmlns:p14="http://schemas.microsoft.com/office/powerpoint/2010/main" val="1436343663"/>
       </p:ext>
     </p:extLst>
   </p:cSld>
@@ -7276,8 +7257,8 @@
         </p:blipFill>
         <p:spPr>
           <a:xfrm>
-            <a:off x="2112962" y="2059517"/>
-            <a:ext cx="6543675" cy="1790700"/>
+            <a:off x="1231335" y="2013655"/>
+            <a:ext cx="6629400" cy="3733800"/>
           </a:xfrm>
           <a:prstGeom prst="rect">
             <a:avLst/>
@@ -7287,7 +7268,7 @@
     </p:spTree>
     <p:extLst>
       <p:ext uri="{BB962C8B-B14F-4D97-AF65-F5344CB8AC3E}">
-        <p14:creationId xmlns:p14="http://schemas.microsoft.com/office/powerpoint/2010/main" val="1436343663"/>
+        <p14:creationId xmlns:p14="http://schemas.microsoft.com/office/powerpoint/2010/main" val="2759514428"/>
       </p:ext>
     </p:extLst>
   </p:cSld>
@@ -7353,8 +7334,8 @@
         </p:blipFill>
         <p:spPr>
           <a:xfrm>
-            <a:off x="2811780" y="2092678"/>
-            <a:ext cx="6629400" cy="3733800"/>
+            <a:off x="1187450" y="2017712"/>
+            <a:ext cx="6362700" cy="2009775"/>
           </a:xfrm>
           <a:prstGeom prst="rect">
             <a:avLst/>
@@ -7364,7 +7345,7 @@
     </p:spTree>
     <p:extLst>
       <p:ext uri="{BB962C8B-B14F-4D97-AF65-F5344CB8AC3E}">
-        <p14:creationId xmlns:p14="http://schemas.microsoft.com/office/powerpoint/2010/main" val="2759514428"/>
+        <p14:creationId xmlns:p14="http://schemas.microsoft.com/office/powerpoint/2010/main" val="446387698"/>
       </p:ext>
     </p:extLst>
   </p:cSld>
@@ -7430,8 +7411,8 @@
         </p:blipFill>
         <p:spPr>
           <a:xfrm>
-            <a:off x="2914650" y="2424112"/>
-            <a:ext cx="6362700" cy="2009775"/>
+            <a:off x="1178419" y="1929870"/>
+            <a:ext cx="6667500" cy="3743325"/>
           </a:xfrm>
           <a:prstGeom prst="rect">
             <a:avLst/>
@@ -7441,7 +7422,7 @@
     </p:spTree>
     <p:extLst>
       <p:ext uri="{BB962C8B-B14F-4D97-AF65-F5344CB8AC3E}">
-        <p14:creationId xmlns:p14="http://schemas.microsoft.com/office/powerpoint/2010/main" val="446387698"/>
+        <p14:creationId xmlns:p14="http://schemas.microsoft.com/office/powerpoint/2010/main" val="1942831375"/>
       </p:ext>
     </p:extLst>
   </p:cSld>
@@ -7493,7 +7474,7 @@
       </p:sp>
       <p:pic>
         <p:nvPicPr>
-          <p:cNvPr id="4" name="Picture 3"/>
+          <p:cNvPr id="3" name="Picture 2"/>
           <p:cNvPicPr>
             <a:picLocks noChangeAspect="1"/>
           </p:cNvPicPr>
@@ -7507,8 +7488,8 @@
         </p:blipFill>
         <p:spPr>
           <a:xfrm>
-            <a:off x="2792730" y="1918581"/>
-            <a:ext cx="6667500" cy="3743325"/>
+            <a:off x="1204383" y="1845205"/>
+            <a:ext cx="6667500" cy="4048125"/>
           </a:xfrm>
           <a:prstGeom prst="rect">
             <a:avLst/>
@@ -7518,7 +7499,7 @@
     </p:spTree>
     <p:extLst>
       <p:ext uri="{BB962C8B-B14F-4D97-AF65-F5344CB8AC3E}">
-        <p14:creationId xmlns:p14="http://schemas.microsoft.com/office/powerpoint/2010/main" val="1942831375"/>
+        <p14:creationId xmlns:p14="http://schemas.microsoft.com/office/powerpoint/2010/main" val="3247513372"/>
       </p:ext>
     </p:extLst>
   </p:cSld>
@@ -7562,7 +7543,7 @@
           <a:p>
             <a:r>
               <a:rPr lang="en-US" dirty="0" smtClean="0"/>
-              <a:t>Spring JDBC</a:t>
+              <a:t>Spring JDBC templates</a:t>
             </a:r>
             <a:endParaRPr lang="en-GB" dirty="0"/>
           </a:p>
@@ -7584,8 +7565,8 @@
         </p:blipFill>
         <p:spPr>
           <a:xfrm>
-            <a:off x="2931395" y="1827672"/>
-            <a:ext cx="6835434" cy="4442017"/>
+            <a:off x="1206375" y="1929271"/>
+            <a:ext cx="7508648" cy="4119403"/>
           </a:xfrm>
           <a:prstGeom prst="rect">
             <a:avLst/>
@@ -7595,7 +7576,7 @@
     </p:spTree>
     <p:extLst>
       <p:ext uri="{BB962C8B-B14F-4D97-AF65-F5344CB8AC3E}">
-        <p14:creationId xmlns:p14="http://schemas.microsoft.com/office/powerpoint/2010/main" val="3697215861"/>
+        <p14:creationId xmlns:p14="http://schemas.microsoft.com/office/powerpoint/2010/main" val="3384198420"/>
       </p:ext>
     </p:extLst>
   </p:cSld>
@@ -7639,7 +7620,7 @@
           <a:p>
             <a:r>
               <a:rPr lang="en-US" dirty="0" smtClean="0"/>
-              <a:t>Integrate configuration</a:t>
+              <a:t>Define bean</a:t>
             </a:r>
             <a:endParaRPr lang="en-GB" dirty="0"/>
           </a:p>
@@ -7661,8 +7642,8 @@
         </p:blipFill>
         <p:spPr>
           <a:xfrm>
-            <a:off x="2705805" y="1888595"/>
-            <a:ext cx="6667500" cy="4029075"/>
+            <a:off x="1334557" y="1816382"/>
+            <a:ext cx="7041797" cy="4332633"/>
           </a:xfrm>
           <a:prstGeom prst="rect">
             <a:avLst/>
@@ -7672,7 +7653,7 @@
     </p:spTree>
     <p:extLst>
       <p:ext uri="{BB962C8B-B14F-4D97-AF65-F5344CB8AC3E}">
-        <p14:creationId xmlns:p14="http://schemas.microsoft.com/office/powerpoint/2010/main" val="3247513372"/>
+        <p14:creationId xmlns:p14="http://schemas.microsoft.com/office/powerpoint/2010/main" val="1194095261"/>
       </p:ext>
     </p:extLst>
   </p:cSld>
@@ -7716,7 +7697,7 @@
           <a:p>
             <a:r>
               <a:rPr lang="en-US" dirty="0" smtClean="0"/>
-              <a:t>Define bean</a:t>
+              <a:t>Initializer container</a:t>
             </a:r>
             <a:endParaRPr lang="en-GB" dirty="0"/>
           </a:p>
@@ -7738,8 +7719,8 @@
         </p:blipFill>
         <p:spPr>
           <a:xfrm>
-            <a:off x="2373135" y="1884116"/>
-            <a:ext cx="7041797" cy="4332633"/>
+            <a:off x="1257793" y="1963384"/>
+            <a:ext cx="6305550" cy="2886075"/>
           </a:xfrm>
           <a:prstGeom prst="rect">
             <a:avLst/>
@@ -7749,7 +7730,7 @@
     </p:spTree>
     <p:extLst>
       <p:ext uri="{BB962C8B-B14F-4D97-AF65-F5344CB8AC3E}">
-        <p14:creationId xmlns:p14="http://schemas.microsoft.com/office/powerpoint/2010/main" val="1194095261"/>
+        <p14:creationId xmlns:p14="http://schemas.microsoft.com/office/powerpoint/2010/main" val="1420622623"/>
       </p:ext>
     </p:extLst>
   </p:cSld>
@@ -7793,7 +7774,7 @@
           <a:p>
             <a:r>
               <a:rPr lang="en-US" dirty="0" smtClean="0"/>
-              <a:t>Initializer container</a:t>
+              <a:t>Access and use beans</a:t>
             </a:r>
             <a:endParaRPr lang="en-GB" dirty="0"/>
           </a:p>
@@ -7815,8 +7796,8 @@
         </p:blipFill>
         <p:spPr>
           <a:xfrm>
-            <a:off x="2973705" y="2279473"/>
-            <a:ext cx="6305550" cy="2886075"/>
+            <a:off x="1289930" y="1953330"/>
+            <a:ext cx="6677025" cy="4057650"/>
           </a:xfrm>
           <a:prstGeom prst="rect">
             <a:avLst/>
@@ -7826,7 +7807,7 @@
     </p:spTree>
     <p:extLst>
       <p:ext uri="{BB962C8B-B14F-4D97-AF65-F5344CB8AC3E}">
-        <p14:creationId xmlns:p14="http://schemas.microsoft.com/office/powerpoint/2010/main" val="1420622623"/>
+        <p14:creationId xmlns:p14="http://schemas.microsoft.com/office/powerpoint/2010/main" val="1139827743"/>
       </p:ext>
     </p:extLst>
   </p:cSld>
@@ -7870,7 +7851,15 @@
           <a:p>
             <a:r>
               <a:rPr lang="en-US" dirty="0" smtClean="0"/>
-              <a:t>Access and use beans</a:t>
+              <a:t>Spring JDBC and spring </a:t>
+            </a:r>
+            <a:r>
+              <a:rPr lang="en-US" dirty="0" err="1" smtClean="0"/>
+              <a:t>IoC</a:t>
+            </a:r>
+            <a:r>
+              <a:rPr lang="en-US" dirty="0" smtClean="0"/>
+              <a:t> process</a:t>
             </a:r>
             <a:endParaRPr lang="en-GB" dirty="0"/>
           </a:p>
@@ -7892,8 +7881,8 @@
         </p:blipFill>
         <p:spPr>
           <a:xfrm>
-            <a:off x="2520420" y="1987197"/>
-            <a:ext cx="6677025" cy="4057650"/>
+            <a:off x="1184981" y="1964265"/>
+            <a:ext cx="6457950" cy="3810000"/>
           </a:xfrm>
           <a:prstGeom prst="rect">
             <a:avLst/>
@@ -7903,7 +7892,7 @@
     </p:spTree>
     <p:extLst>
       <p:ext uri="{BB962C8B-B14F-4D97-AF65-F5344CB8AC3E}">
-        <p14:creationId xmlns:p14="http://schemas.microsoft.com/office/powerpoint/2010/main" val="1139827743"/>
+        <p14:creationId xmlns:p14="http://schemas.microsoft.com/office/powerpoint/2010/main" val="3760592985"/>
       </p:ext>
     </p:extLst>
   </p:cSld>
@@ -7947,7 +7936,7 @@
           <a:p>
             <a:r>
               <a:rPr lang="en-US" dirty="0" smtClean="0"/>
-              <a:t>Spring JDBC and spring </a:t>
+              <a:t>Spring JDBC and Spring </a:t>
             </a:r>
             <a:r>
               <a:rPr lang="en-US" dirty="0" err="1" smtClean="0"/>
@@ -7977,92 +7966,7 @@
         </p:blipFill>
         <p:spPr>
           <a:xfrm>
-            <a:off x="2799291" y="2009422"/>
-            <a:ext cx="6457950" cy="3810000"/>
-          </a:xfrm>
-          <a:prstGeom prst="rect">
-            <a:avLst/>
-          </a:prstGeom>
-        </p:spPr>
-      </p:pic>
-    </p:spTree>
-    <p:extLst>
-      <p:ext uri="{BB962C8B-B14F-4D97-AF65-F5344CB8AC3E}">
-        <p14:creationId xmlns:p14="http://schemas.microsoft.com/office/powerpoint/2010/main" val="3760592985"/>
-      </p:ext>
-    </p:extLst>
-  </p:cSld>
-  <p:clrMapOvr>
-    <a:masterClrMapping/>
-  </p:clrMapOvr>
-</p:sld>
-</file>
-
-<file path=ppt/slides/slide55.xml><?xml version="1.0" encoding="utf-8"?>
-<p:sld xmlns:a="http://schemas.openxmlformats.org/drawingml/2006/main" xmlns:r="http://schemas.openxmlformats.org/officeDocument/2006/relationships" xmlns:p="http://schemas.openxmlformats.org/presentationml/2006/main">
-  <p:cSld>
-    <p:spTree>
-      <p:nvGrpSpPr>
-        <p:cNvPr id="1" name=""/>
-        <p:cNvGrpSpPr/>
-        <p:nvPr/>
-      </p:nvGrpSpPr>
-      <p:grpSpPr>
-        <a:xfrm>
-          <a:off x="0" y="0"/>
-          <a:ext cx="0" cy="0"/>
-          <a:chOff x="0" y="0"/>
-          <a:chExt cx="0" cy="0"/>
-        </a:xfrm>
-      </p:grpSpPr>
-      <p:sp>
-        <p:nvSpPr>
-          <p:cNvPr id="2" name="Title 1"/>
-          <p:cNvSpPr>
-            <a:spLocks noGrp="1"/>
-          </p:cNvSpPr>
-          <p:nvPr>
-            <p:ph type="title"/>
-          </p:nvPr>
-        </p:nvSpPr>
-        <p:spPr/>
-        <p:txBody>
-          <a:bodyPr/>
-          <a:lstStyle/>
-          <a:p>
-            <a:r>
-              <a:rPr lang="en-US" dirty="0" smtClean="0"/>
-              <a:t>Spring JDBC and Spring </a:t>
-            </a:r>
-            <a:r>
-              <a:rPr lang="en-US" dirty="0" err="1" smtClean="0"/>
-              <a:t>IoC</a:t>
-            </a:r>
-            <a:r>
-              <a:rPr lang="en-US" dirty="0" smtClean="0"/>
-              <a:t> process</a:t>
-            </a:r>
-            <a:endParaRPr lang="en-GB" dirty="0"/>
-          </a:p>
-        </p:txBody>
-      </p:sp>
-      <p:pic>
-        <p:nvPicPr>
-          <p:cNvPr id="4" name="Picture 3"/>
-          <p:cNvPicPr>
-            <a:picLocks noChangeAspect="1"/>
-          </p:cNvPicPr>
-          <p:nvPr/>
-        </p:nvPicPr>
-        <p:blipFill>
-          <a:blip r:embed="rId2"/>
-          <a:stretch>
-            <a:fillRect/>
-          </a:stretch>
-        </p:blipFill>
-        <p:spPr>
-          <a:xfrm>
-            <a:off x="2795587" y="1866900"/>
+            <a:off x="1226431" y="2002367"/>
             <a:ext cx="6600825" cy="3124200"/>
           </a:xfrm>
           <a:prstGeom prst="rect">
@@ -8074,74 +7978,6 @@
     <p:extLst>
       <p:ext uri="{BB962C8B-B14F-4D97-AF65-F5344CB8AC3E}">
         <p14:creationId xmlns:p14="http://schemas.microsoft.com/office/powerpoint/2010/main" val="1549777840"/>
-      </p:ext>
-    </p:extLst>
-  </p:cSld>
-  <p:clrMapOvr>
-    <a:masterClrMapping/>
-  </p:clrMapOvr>
-</p:sld>
-</file>
-
-<file path=ppt/slides/slide56.xml><?xml version="1.0" encoding="utf-8"?>
-<p:sld xmlns:a="http://schemas.openxmlformats.org/drawingml/2006/main" xmlns:r="http://schemas.openxmlformats.org/officeDocument/2006/relationships" xmlns:p="http://schemas.openxmlformats.org/presentationml/2006/main">
-  <p:cSld>
-    <p:spTree>
-      <p:nvGrpSpPr>
-        <p:cNvPr id="1" name=""/>
-        <p:cNvGrpSpPr/>
-        <p:nvPr/>
-      </p:nvGrpSpPr>
-      <p:grpSpPr>
-        <a:xfrm>
-          <a:off x="0" y="0"/>
-          <a:ext cx="0" cy="0"/>
-          <a:chOff x="0" y="0"/>
-          <a:chExt cx="0" cy="0"/>
-        </a:xfrm>
-      </p:grpSpPr>
-      <p:sp>
-        <p:nvSpPr>
-          <p:cNvPr id="2" name="Title 1"/>
-          <p:cNvSpPr>
-            <a:spLocks noGrp="1"/>
-          </p:cNvSpPr>
-          <p:nvPr>
-            <p:ph type="title"/>
-          </p:nvPr>
-        </p:nvSpPr>
-        <p:spPr/>
-        <p:txBody>
-          <a:bodyPr/>
-          <a:lstStyle/>
-          <a:p>
-            <a:endParaRPr lang="en-GB"/>
-          </a:p>
-        </p:txBody>
-      </p:sp>
-      <p:sp>
-        <p:nvSpPr>
-          <p:cNvPr id="3" name="Content Placeholder 2"/>
-          <p:cNvSpPr>
-            <a:spLocks noGrp="1"/>
-          </p:cNvSpPr>
-          <p:nvPr>
-            <p:ph idx="1"/>
-          </p:nvPr>
-        </p:nvSpPr>
-        <p:spPr/>
-        <p:txBody>
-          <a:bodyPr/>
-          <a:lstStyle/>
-          <a:p>
-            <a:endParaRPr lang="en-GB"/>
-          </a:p>
-        </p:txBody>
-      </p:sp>
-    </p:spTree>
-    <p:extLst>
-      <p:ext uri="{BB962C8B-B14F-4D97-AF65-F5344CB8AC3E}">
-        <p14:creationId xmlns:p14="http://schemas.microsoft.com/office/powerpoint/2010/main" val="1862238230"/>
       </p:ext>
     </p:extLst>
   </p:cSld>
@@ -8178,47 +8014,37 @@
             <p:ph type="title"/>
           </p:nvPr>
         </p:nvSpPr>
-        <p:spPr/>
-        <p:txBody>
-          <a:bodyPr/>
-          <a:lstStyle/>
-          <a:p>
-            <a:r>
-              <a:rPr lang="en-US" dirty="0" smtClean="0"/>
-              <a:t>Spring JDBC templates</a:t>
+        <p:spPr>
+          <a:xfrm>
+            <a:off x="860778" y="2250370"/>
+            <a:ext cx="10515600" cy="1325563"/>
+          </a:xfrm>
+        </p:spPr>
+        <p:txBody>
+          <a:bodyPr/>
+          <a:lstStyle/>
+          <a:p>
+            <a:pPr algn="ctr"/>
+            <a:r>
+              <a:rPr lang="en-US" dirty="0" smtClean="0"/>
+              <a:t>Spring </a:t>
+            </a:r>
+            <a:r>
+              <a:rPr lang="en-US" dirty="0" err="1" smtClean="0"/>
+              <a:t>IoC</a:t>
+            </a:r>
+            <a:r>
+              <a:rPr lang="en-US" dirty="0" smtClean="0"/>
+              <a:t> process review</a:t>
             </a:r>
             <a:endParaRPr lang="en-GB" dirty="0"/>
           </a:p>
         </p:txBody>
       </p:sp>
-      <p:pic>
-        <p:nvPicPr>
-          <p:cNvPr id="4" name="Picture 3"/>
-          <p:cNvPicPr>
-            <a:picLocks noChangeAspect="1"/>
-          </p:cNvPicPr>
-          <p:nvPr/>
-        </p:nvPicPr>
-        <p:blipFill>
-          <a:blip r:embed="rId2"/>
-          <a:stretch>
-            <a:fillRect/>
-          </a:stretch>
-        </p:blipFill>
-        <p:spPr>
-          <a:xfrm>
-            <a:off x="2798108" y="1850249"/>
-            <a:ext cx="7508648" cy="4119403"/>
-          </a:xfrm>
-          <a:prstGeom prst="rect">
-            <a:avLst/>
-          </a:prstGeom>
-        </p:spPr>
-      </p:pic>
     </p:spTree>
     <p:extLst>
       <p:ext uri="{BB962C8B-B14F-4D97-AF65-F5344CB8AC3E}">
-        <p14:creationId xmlns:p14="http://schemas.microsoft.com/office/powerpoint/2010/main" val="3384198420"/>
+        <p14:creationId xmlns:p14="http://schemas.microsoft.com/office/powerpoint/2010/main" val="1881114143"/>
       </p:ext>
     </p:extLst>
   </p:cSld>
@@ -8255,17 +8081,11 @@
             <p:ph type="title"/>
           </p:nvPr>
         </p:nvSpPr>
-        <p:spPr>
-          <a:xfrm>
-            <a:off x="894645" y="2589036"/>
-            <a:ext cx="10515600" cy="1325563"/>
-          </a:xfrm>
-        </p:spPr>
-        <p:txBody>
-          <a:bodyPr/>
-          <a:lstStyle/>
-          <a:p>
-            <a:pPr algn="ctr"/>
+        <p:spPr/>
+        <p:txBody>
+          <a:bodyPr/>
+          <a:lstStyle/>
+          <a:p>
             <a:r>
               <a:rPr lang="en-US" dirty="0" smtClean="0"/>
               <a:t>Spring </a:t>
@@ -8276,16 +8096,40 @@
             </a:r>
             <a:r>
               <a:rPr lang="en-US" dirty="0" smtClean="0"/>
-              <a:t> process review</a:t>
+              <a:t> process</a:t>
             </a:r>
             <a:endParaRPr lang="en-GB" dirty="0"/>
           </a:p>
         </p:txBody>
       </p:sp>
+      <p:pic>
+        <p:nvPicPr>
+          <p:cNvPr id="4" name="Picture 3"/>
+          <p:cNvPicPr>
+            <a:picLocks noChangeAspect="1"/>
+          </p:cNvPicPr>
+          <p:nvPr/>
+        </p:nvPicPr>
+        <p:blipFill>
+          <a:blip r:embed="rId2"/>
+          <a:stretch>
+            <a:fillRect/>
+          </a:stretch>
+        </p:blipFill>
+        <p:spPr>
+          <a:xfrm>
+            <a:off x="1238392" y="1856566"/>
+            <a:ext cx="6637866" cy="4312625"/>
+          </a:xfrm>
+          <a:prstGeom prst="rect">
+            <a:avLst/>
+          </a:prstGeom>
+        </p:spPr>
+      </p:pic>
     </p:spTree>
     <p:extLst>
       <p:ext uri="{BB962C8B-B14F-4D97-AF65-F5344CB8AC3E}">
-        <p14:creationId xmlns:p14="http://schemas.microsoft.com/office/powerpoint/2010/main" val="1881114143"/>
+        <p14:creationId xmlns:p14="http://schemas.microsoft.com/office/powerpoint/2010/main" val="3003541720"/>
       </p:ext>
     </p:extLst>
   </p:cSld>
@@ -8359,8 +8203,8 @@
         </p:blipFill>
         <p:spPr>
           <a:xfrm>
-            <a:off x="2807547" y="1913010"/>
-            <a:ext cx="6637866" cy="4312625"/>
+            <a:off x="1277461" y="1849259"/>
+            <a:ext cx="6695193" cy="4350379"/>
           </a:xfrm>
           <a:prstGeom prst="rect">
             <a:avLst/>
@@ -8370,7 +8214,7 @@
     </p:spTree>
     <p:extLst>
       <p:ext uri="{BB962C8B-B14F-4D97-AF65-F5344CB8AC3E}">
-        <p14:creationId xmlns:p14="http://schemas.microsoft.com/office/powerpoint/2010/main" val="3003541720"/>
+        <p14:creationId xmlns:p14="http://schemas.microsoft.com/office/powerpoint/2010/main" val="1949194656"/>
       </p:ext>
     </p:extLst>
   </p:cSld>
@@ -8430,7 +8274,7 @@
       </p:sp>
       <p:pic>
         <p:nvPicPr>
-          <p:cNvPr id="4" name="Picture 3"/>
+          <p:cNvPr id="3" name="Picture 2"/>
           <p:cNvPicPr>
             <a:picLocks noChangeAspect="1"/>
           </p:cNvPicPr>
@@ -8444,8 +8288,8 @@
         </p:blipFill>
         <p:spPr>
           <a:xfrm>
-            <a:off x="2778883" y="1849259"/>
-            <a:ext cx="6695193" cy="4350379"/>
+            <a:off x="1179864" y="1845556"/>
+            <a:ext cx="6829425" cy="4295775"/>
           </a:xfrm>
           <a:prstGeom prst="rect">
             <a:avLst/>
@@ -8455,7 +8299,7 @@
     </p:spTree>
     <p:extLst>
       <p:ext uri="{BB962C8B-B14F-4D97-AF65-F5344CB8AC3E}">
-        <p14:creationId xmlns:p14="http://schemas.microsoft.com/office/powerpoint/2010/main" val="1949194656"/>
+        <p14:creationId xmlns:p14="http://schemas.microsoft.com/office/powerpoint/2010/main" val="4047155940"/>
       </p:ext>
     </p:extLst>
   </p:cSld>

--- a/course/spring_lecture5.pptx
+++ b/course/spring_lecture5.pptx
@@ -391,7 +391,7 @@
           <a:p>
             <a:fld id="{46D9A6F5-1E9F-4F7F-B335-C9B2093BF1AB}" type="datetimeFigureOut">
               <a:rPr lang="en-GB" smtClean="0"/>
-              <a:t>26/07/2016</a:t>
+              <a:t>27/07/2016</a:t>
             </a:fld>
             <a:endParaRPr lang="en-GB"/>
           </a:p>
@@ -599,7 +599,7 @@
           <a:p>
             <a:fld id="{46D9A6F5-1E9F-4F7F-B335-C9B2093BF1AB}" type="datetimeFigureOut">
               <a:rPr lang="en-GB" smtClean="0"/>
-              <a:t>26/07/2016</a:t>
+              <a:t>27/07/2016</a:t>
             </a:fld>
             <a:endParaRPr lang="en-GB"/>
           </a:p>
@@ -855,7 +855,7 @@
           <a:p>
             <a:fld id="{46D9A6F5-1E9F-4F7F-B335-C9B2093BF1AB}" type="datetimeFigureOut">
               <a:rPr lang="en-GB" smtClean="0"/>
-              <a:t>26/07/2016</a:t>
+              <a:t>27/07/2016</a:t>
             </a:fld>
             <a:endParaRPr lang="en-GB"/>
           </a:p>
@@ -1029,7 +1029,7 @@
           <a:p>
             <a:fld id="{46D9A6F5-1E9F-4F7F-B335-C9B2093BF1AB}" type="datetimeFigureOut">
               <a:rPr lang="en-GB" smtClean="0"/>
-              <a:t>26/07/2016</a:t>
+              <a:t>27/07/2016</a:t>
             </a:fld>
             <a:endParaRPr lang="en-GB"/>
           </a:p>
@@ -1372,7 +1372,7 @@
           <a:p>
             <a:fld id="{46D9A6F5-1E9F-4F7F-B335-C9B2093BF1AB}" type="datetimeFigureOut">
               <a:rPr lang="en-GB" smtClean="0"/>
-              <a:t>26/07/2016</a:t>
+              <a:t>27/07/2016</a:t>
             </a:fld>
             <a:endParaRPr lang="en-GB"/>
           </a:p>
@@ -1647,7 +1647,7 @@
           <a:p>
             <a:fld id="{46D9A6F5-1E9F-4F7F-B335-C9B2093BF1AB}" type="datetimeFigureOut">
               <a:rPr lang="en-GB" smtClean="0"/>
-              <a:t>26/07/2016</a:t>
+              <a:t>27/07/2016</a:t>
             </a:fld>
             <a:endParaRPr lang="en-GB"/>
           </a:p>
@@ -2026,7 +2026,7 @@
           <a:p>
             <a:fld id="{46D9A6F5-1E9F-4F7F-B335-C9B2093BF1AB}" type="datetimeFigureOut">
               <a:rPr lang="en-GB" smtClean="0"/>
-              <a:t>26/07/2016</a:t>
+              <a:t>27/07/2016</a:t>
             </a:fld>
             <a:endParaRPr lang="en-GB"/>
           </a:p>
@@ -2144,7 +2144,7 @@
           <a:p>
             <a:fld id="{46D9A6F5-1E9F-4F7F-B335-C9B2093BF1AB}" type="datetimeFigureOut">
               <a:rPr lang="en-GB" smtClean="0"/>
-              <a:t>26/07/2016</a:t>
+              <a:t>27/07/2016</a:t>
             </a:fld>
             <a:endParaRPr lang="en-GB"/>
           </a:p>
@@ -2315,7 +2315,7 @@
           <a:p>
             <a:fld id="{46D9A6F5-1E9F-4F7F-B335-C9B2093BF1AB}" type="datetimeFigureOut">
               <a:rPr lang="en-GB" smtClean="0"/>
-              <a:t>26/07/2016</a:t>
+              <a:t>27/07/2016</a:t>
             </a:fld>
             <a:endParaRPr lang="en-GB"/>
           </a:p>
@@ -2669,7 +2669,7 @@
           <a:p>
             <a:fld id="{46D9A6F5-1E9F-4F7F-B335-C9B2093BF1AB}" type="datetimeFigureOut">
               <a:rPr lang="en-GB" smtClean="0"/>
-              <a:t>26/07/2016</a:t>
+              <a:t>27/07/2016</a:t>
             </a:fld>
             <a:endParaRPr lang="en-GB"/>
           </a:p>
@@ -3051,7 +3051,7 @@
           <a:p>
             <a:fld id="{46D9A6F5-1E9F-4F7F-B335-C9B2093BF1AB}" type="datetimeFigureOut">
               <a:rPr lang="en-GB" smtClean="0"/>
-              <a:t>26/07/2016</a:t>
+              <a:t>27/07/2016</a:t>
             </a:fld>
             <a:endParaRPr lang="en-GB"/>
           </a:p>
@@ -3338,7 +3338,7 @@
           <a:p>
             <a:fld id="{46D9A6F5-1E9F-4F7F-B335-C9B2093BF1AB}" type="datetimeFigureOut">
               <a:rPr lang="en-GB" smtClean="0"/>
-              <a:t>26/07/2016</a:t>
+              <a:t>27/07/2016</a:t>
             </a:fld>
             <a:endParaRPr lang="en-GB"/>
           </a:p>
@@ -3904,7 +3904,7 @@
         </p:nvSpPr>
         <p:spPr>
           <a:xfrm>
-            <a:off x="4259474" y="4350251"/>
+            <a:off x="4259474" y="4271229"/>
             <a:ext cx="3976410" cy="369332"/>
           </a:xfrm>
           <a:prstGeom prst="rect">
@@ -3999,7 +3999,7 @@
       </p:sp>
       <p:pic>
         <p:nvPicPr>
-          <p:cNvPr id="4" name="Picture 3"/>
+          <p:cNvPr id="3" name="Picture 2"/>
           <p:cNvPicPr>
             <a:picLocks noChangeAspect="1"/>
           </p:cNvPicPr>
@@ -4013,8 +4013,8 @@
         </p:blipFill>
         <p:spPr>
           <a:xfrm>
-            <a:off x="1225938" y="1833915"/>
-            <a:ext cx="5940284" cy="4279018"/>
+            <a:off x="1266296" y="1817512"/>
+            <a:ext cx="6033196" cy="4348162"/>
           </a:xfrm>
           <a:prstGeom prst="rect">
             <a:avLst/>
@@ -5217,7 +5217,7 @@
         <p:spPr>
           <a:xfrm>
             <a:off x="1097280" y="1883832"/>
-            <a:ext cx="6534150" cy="2819400"/>
+            <a:ext cx="6127609" cy="2643983"/>
           </a:xfrm>
           <a:prstGeom prst="rect">
             <a:avLst/>
@@ -5814,8 +5814,8 @@
         </p:blipFill>
         <p:spPr>
           <a:xfrm>
-            <a:off x="1192564" y="1819275"/>
-            <a:ext cx="7210425" cy="4438650"/>
+            <a:off x="1332089" y="1819275"/>
+            <a:ext cx="7070900" cy="4352760"/>
           </a:xfrm>
           <a:prstGeom prst="rect">
             <a:avLst/>
@@ -5832,6 +5832,13 @@
   <p:clrMapOvr>
     <a:masterClrMapping/>
   </p:clrMapOvr>
+  <p:timing>
+    <p:tnLst>
+      <p:par>
+        <p:cTn id="1" dur="indefinite" restart="never" nodeType="tmRoot"/>
+      </p:par>
+    </p:tnLst>
+  </p:timing>
 </p:sld>
 </file>
 
@@ -6067,7 +6074,7 @@
         <p:spPr>
           <a:xfrm>
             <a:off x="1247305" y="1873956"/>
-            <a:ext cx="6601966" cy="4320046"/>
+            <a:ext cx="6417694" cy="4199466"/>
           </a:xfrm>
           <a:prstGeom prst="rect">
             <a:avLst/>
@@ -6720,6 +6727,13 @@
   <p:clrMapOvr>
     <a:masterClrMapping/>
   </p:clrMapOvr>
+  <p:timing>
+    <p:tnLst>
+      <p:par>
+        <p:cTn id="1" dur="indefinite" restart="never" nodeType="tmRoot"/>
+      </p:par>
+    </p:tnLst>
+  </p:timing>
 </p:sld>
 </file>
 
@@ -7628,7 +7642,7 @@
       </p:sp>
       <p:pic>
         <p:nvPicPr>
-          <p:cNvPr id="4" name="Picture 3"/>
+          <p:cNvPr id="3" name="Picture 2"/>
           <p:cNvPicPr>
             <a:picLocks noChangeAspect="1"/>
           </p:cNvPicPr>
@@ -7642,8 +7656,8 @@
         </p:blipFill>
         <p:spPr>
           <a:xfrm>
-            <a:off x="1334557" y="1816382"/>
-            <a:ext cx="7041797" cy="4332633"/>
+            <a:off x="1150338" y="1872827"/>
+            <a:ext cx="7038975" cy="4333875"/>
           </a:xfrm>
           <a:prstGeom prst="rect">
             <a:avLst/>
@@ -8104,7 +8118,7 @@
       </p:sp>
       <p:pic>
         <p:nvPicPr>
-          <p:cNvPr id="4" name="Picture 3"/>
+          <p:cNvPr id="3" name="Picture 2"/>
           <p:cNvPicPr>
             <a:picLocks noChangeAspect="1"/>
           </p:cNvPicPr>
@@ -8118,8 +8132,8 @@
         </p:blipFill>
         <p:spPr>
           <a:xfrm>
-            <a:off x="1238392" y="1856566"/>
-            <a:ext cx="6637866" cy="4312625"/>
+            <a:off x="1244036" y="1850248"/>
+            <a:ext cx="6638925" cy="4314825"/>
           </a:xfrm>
           <a:prstGeom prst="rect">
             <a:avLst/>

--- a/course/spring_lecture5.pptx
+++ b/course/spring_lecture5.pptx
@@ -4031,6 +4031,13 @@
   <p:clrMapOvr>
     <a:masterClrMapping/>
   </p:clrMapOvr>
+  <p:timing>
+    <p:tnLst>
+      <p:par>
+        <p:cTn id="1" dur="indefinite" restart="never" nodeType="tmRoot"/>
+      </p:par>
+    </p:tnLst>
+  </p:timing>
 </p:sld>
 </file>
 
@@ -4116,6 +4123,13 @@
   <p:clrMapOvr>
     <a:masterClrMapping/>
   </p:clrMapOvr>
+  <p:timing>
+    <p:tnLst>
+      <p:par>
+        <p:cTn id="1" dur="indefinite" restart="never" nodeType="tmRoot"/>
+      </p:par>
+    </p:tnLst>
+  </p:timing>
 </p:sld>
 </file>
 
@@ -4201,6 +4215,13 @@
   <p:clrMapOvr>
     <a:masterClrMapping/>
   </p:clrMapOvr>
+  <p:timing>
+    <p:tnLst>
+      <p:par>
+        <p:cTn id="1" dur="indefinite" restart="never" nodeType="tmRoot"/>
+      </p:par>
+    </p:tnLst>
+  </p:timing>
 </p:sld>
 </file>
 
@@ -4278,6 +4299,13 @@
   <p:clrMapOvr>
     <a:masterClrMapping/>
   </p:clrMapOvr>
+  <p:timing>
+    <p:tnLst>
+      <p:par>
+        <p:cTn id="1" dur="indefinite" restart="never" nodeType="tmRoot"/>
+      </p:par>
+    </p:tnLst>
+  </p:timing>
 </p:sld>
 </file>
 
@@ -4359,6 +4387,13 @@
   <p:clrMapOvr>
     <a:masterClrMapping/>
   </p:clrMapOvr>
+  <p:timing>
+    <p:tnLst>
+      <p:par>
+        <p:cTn id="1" dur="indefinite" restart="never" nodeType="tmRoot"/>
+      </p:par>
+    </p:tnLst>
+  </p:timing>
 </p:sld>
 </file>
 
@@ -4436,6 +4471,13 @@
   <p:clrMapOvr>
     <a:masterClrMapping/>
   </p:clrMapOvr>
+  <p:timing>
+    <p:tnLst>
+      <p:par>
+        <p:cTn id="1" dur="indefinite" restart="never" nodeType="tmRoot"/>
+      </p:par>
+    </p:tnLst>
+  </p:timing>
 </p:sld>
 </file>
 
@@ -4513,6 +4555,13 @@
   <p:clrMapOvr>
     <a:masterClrMapping/>
   </p:clrMapOvr>
+  <p:timing>
+    <p:tnLst>
+      <p:par>
+        <p:cTn id="1" dur="indefinite" restart="never" nodeType="tmRoot"/>
+      </p:par>
+    </p:tnLst>
+  </p:timing>
 </p:sld>
 </file>
 
@@ -4590,6 +4639,13 @@
   <p:clrMapOvr>
     <a:masterClrMapping/>
   </p:clrMapOvr>
+  <p:timing>
+    <p:tnLst>
+      <p:par>
+        <p:cTn id="1" dur="indefinite" restart="never" nodeType="tmRoot"/>
+      </p:par>
+    </p:tnLst>
+  </p:timing>
 </p:sld>
 </file>
 
@@ -4667,6 +4723,13 @@
   <p:clrMapOvr>
     <a:masterClrMapping/>
   </p:clrMapOvr>
+  <p:timing>
+    <p:tnLst>
+      <p:par>
+        <p:cTn id="1" dur="indefinite" restart="never" nodeType="tmRoot"/>
+      </p:par>
+    </p:tnLst>
+  </p:timing>
 </p:sld>
 </file>
 
@@ -4744,6 +4807,13 @@
   <p:clrMapOvr>
     <a:masterClrMapping/>
   </p:clrMapOvr>
+  <p:timing>
+    <p:tnLst>
+      <p:par>
+        <p:cTn id="1" dur="indefinite" restart="never" nodeType="tmRoot"/>
+      </p:par>
+    </p:tnLst>
+  </p:timing>
 </p:sld>
 </file>
 
@@ -4944,6 +5014,13 @@
   <p:clrMapOvr>
     <a:masterClrMapping/>
   </p:clrMapOvr>
+  <p:timing>
+    <p:tnLst>
+      <p:par>
+        <p:cTn id="1" dur="indefinite" restart="never" nodeType="tmRoot"/>
+      </p:par>
+    </p:tnLst>
+  </p:timing>
 </p:sld>
 </file>
 
@@ -5011,6 +5088,13 @@
   <p:clrMapOvr>
     <a:masterClrMapping/>
   </p:clrMapOvr>
+  <p:timing>
+    <p:tnLst>
+      <p:par>
+        <p:cTn id="1" dur="indefinite" restart="never" nodeType="tmRoot"/>
+      </p:par>
+    </p:tnLst>
+  </p:timing>
 </p:sld>
 </file>
 
@@ -5149,6 +5233,13 @@
   <p:clrMapOvr>
     <a:masterClrMapping/>
   </p:clrMapOvr>
+  <p:timing>
+    <p:tnLst>
+      <p:par>
+        <p:cTn id="1" dur="indefinite" restart="never" nodeType="tmRoot"/>
+      </p:par>
+    </p:tnLst>
+  </p:timing>
 </p:sld>
 </file>
 
@@ -5234,6 +5325,13 @@
   <p:clrMapOvr>
     <a:masterClrMapping/>
   </p:clrMapOvr>
+  <p:timing>
+    <p:tnLst>
+      <p:par>
+        <p:cTn id="1" dur="indefinite" restart="never" nodeType="tmRoot"/>
+      </p:par>
+    </p:tnLst>
+  </p:timing>
 </p:sld>
 </file>
 
@@ -5814,8 +5912,8 @@
         </p:blipFill>
         <p:spPr>
           <a:xfrm>
-            <a:off x="1332089" y="1819275"/>
-            <a:ext cx="7070900" cy="4352760"/>
+            <a:off x="1196622" y="1853142"/>
+            <a:ext cx="6213848" cy="3825169"/>
           </a:xfrm>
           <a:prstGeom prst="rect">
             <a:avLst/>
@@ -6695,7 +6793,7 @@
       </p:sp>
       <p:pic>
         <p:nvPicPr>
-          <p:cNvPr id="4" name="Picture 3"/>
+          <p:cNvPr id="3" name="Picture 2"/>
           <p:cNvPicPr>
             <a:picLocks noChangeAspect="1"/>
           </p:cNvPicPr>
@@ -6709,8 +6807,8 @@
         </p:blipFill>
         <p:spPr>
           <a:xfrm>
-            <a:off x="1176303" y="1816383"/>
-            <a:ext cx="6680764" cy="4341504"/>
+            <a:off x="1261004" y="1837795"/>
+            <a:ext cx="5267325" cy="4333875"/>
           </a:xfrm>
           <a:prstGeom prst="rect">
             <a:avLst/>
@@ -7597,6 +7695,13 @@
   <p:clrMapOvr>
     <a:masterClrMapping/>
   </p:clrMapOvr>
+  <p:timing>
+    <p:tnLst>
+      <p:par>
+        <p:cTn id="1" dur="indefinite" restart="never" nodeType="tmRoot"/>
+      </p:par>
+    </p:tnLst>
+  </p:timing>
 </p:sld>
 </file>
 
@@ -8065,6 +8170,13 @@
   <p:clrMapOvr>
     <a:masterClrMapping/>
   </p:clrMapOvr>
+  <p:timing>
+    <p:tnLst>
+      <p:par>
+        <p:cTn id="1" dur="indefinite" restart="never" nodeType="tmRoot"/>
+      </p:par>
+    </p:tnLst>
+  </p:timing>
 </p:sld>
 </file>
 
@@ -8150,6 +8262,13 @@
   <p:clrMapOvr>
     <a:masterClrMapping/>
   </p:clrMapOvr>
+  <p:timing>
+    <p:tnLst>
+      <p:par>
+        <p:cTn id="1" dur="indefinite" restart="never" nodeType="tmRoot"/>
+      </p:par>
+    </p:tnLst>
+  </p:timing>
 </p:sld>
 </file>
 
@@ -8235,6 +8354,13 @@
   <p:clrMapOvr>
     <a:masterClrMapping/>
   </p:clrMapOvr>
+  <p:timing>
+    <p:tnLst>
+      <p:par>
+        <p:cTn id="1" dur="indefinite" restart="never" nodeType="tmRoot"/>
+      </p:par>
+    </p:tnLst>
+  </p:timing>
 </p:sld>
 </file>
 
@@ -8320,6 +8446,13 @@
   <p:clrMapOvr>
     <a:masterClrMapping/>
   </p:clrMapOvr>
+  <p:timing>
+    <p:tnLst>
+      <p:par>
+        <p:cTn id="1" dur="indefinite" restart="never" nodeType="tmRoot"/>
+      </p:par>
+    </p:tnLst>
+  </p:timing>
 </p:sld>
 </file>
 
